--- a/irb/Documents/Instructions - ScreenShots.pptx
+++ b/irb/Documents/Instructions - ScreenShots.pptx
@@ -1595,7 +1595,7 @@
           <a:p>
             <a:fld id="{D83F828B-538D-44FA-9A96-F3C6D6FF69F4}" type="datetimeFigureOut">
               <a:rPr lang="en-US" smtClean="0"/>
-              <a:t>1/28/2022</a:t>
+              <a:t>1/31/2022</a:t>
             </a:fld>
             <a:endParaRPr lang="en-US"/>
           </a:p>
@@ -1862,6 +1862,94 @@
 </p:notesMaster>
 </file>
 
+<file path=ppt/notesSlides/notesSlide1.xml><?xml version="1.0" encoding="utf-8"?>
+<p:notes xmlns:a="http://schemas.openxmlformats.org/drawingml/2006/main" xmlns:r="http://schemas.openxmlformats.org/officeDocument/2006/relationships" xmlns:p="http://schemas.openxmlformats.org/presentationml/2006/main">
+  <p:cSld>
+    <p:spTree>
+      <p:nvGrpSpPr>
+        <p:cNvPr id="1" name=""/>
+        <p:cNvGrpSpPr/>
+        <p:nvPr/>
+      </p:nvGrpSpPr>
+      <p:grpSpPr>
+        <a:xfrm>
+          <a:off x="0" y="0"/>
+          <a:ext cx="0" cy="0"/>
+          <a:chOff x="0" y="0"/>
+          <a:chExt cx="0" cy="0"/>
+        </a:xfrm>
+      </p:grpSpPr>
+      <p:sp>
+        <p:nvSpPr>
+          <p:cNvPr id="2" name="Slide Image Placeholder 1"/>
+          <p:cNvSpPr>
+            <a:spLocks noGrp="1" noRot="1" noChangeAspect="1"/>
+          </p:cNvSpPr>
+          <p:nvPr>
+            <p:ph type="sldImg"/>
+          </p:nvPr>
+        </p:nvSpPr>
+        <p:spPr/>
+      </p:sp>
+      <p:sp>
+        <p:nvSpPr>
+          <p:cNvPr id="3" name="Notes Placeholder 2"/>
+          <p:cNvSpPr>
+            <a:spLocks noGrp="1"/>
+          </p:cNvSpPr>
+          <p:nvPr>
+            <p:ph type="body" idx="1"/>
+          </p:nvPr>
+        </p:nvSpPr>
+        <p:spPr/>
+        <p:txBody>
+          <a:bodyPr/>
+          <a:lstStyle/>
+          <a:p>
+            <a:r>
+              <a:rPr lang="en-US" altLang="zh-CN" dirty="0"/>
+              <a:t>Five map examples</a:t>
+            </a:r>
+            <a:endParaRPr lang="en-US" dirty="0"/>
+          </a:p>
+        </p:txBody>
+      </p:sp>
+      <p:sp>
+        <p:nvSpPr>
+          <p:cNvPr id="4" name="Slide Number Placeholder 3"/>
+          <p:cNvSpPr>
+            <a:spLocks noGrp="1"/>
+          </p:cNvSpPr>
+          <p:nvPr>
+            <p:ph type="sldNum" sz="quarter" idx="5"/>
+          </p:nvPr>
+        </p:nvSpPr>
+        <p:spPr/>
+        <p:txBody>
+          <a:bodyPr/>
+          <a:lstStyle/>
+          <a:p>
+            <a:fld id="{726A4DCF-78F5-4808-8656-EBC0A1F3A42E}" type="slidenum">
+              <a:rPr lang="en-US" smtClean="0"/>
+              <a:t>4</a:t>
+            </a:fld>
+            <a:endParaRPr lang="en-US"/>
+          </a:p>
+        </p:txBody>
+      </p:sp>
+    </p:spTree>
+    <p:extLst>
+      <p:ext uri="{BB962C8B-B14F-4D97-AF65-F5344CB8AC3E}">
+        <p14:creationId xmlns:p14="http://schemas.microsoft.com/office/powerpoint/2010/main" val="3205579092"/>
+      </p:ext>
+    </p:extLst>
+  </p:cSld>
+  <p:clrMapOvr>
+    <a:masterClrMapping/>
+  </p:clrMapOvr>
+</p:notes>
+</file>
+
 <file path=ppt/slideLayouts/slideLayout1.xml><?xml version="1.0" encoding="utf-8"?>
 <p:sldLayout xmlns:a="http://schemas.openxmlformats.org/drawingml/2006/main" xmlns:r="http://schemas.openxmlformats.org/officeDocument/2006/relationships" xmlns:p="http://schemas.openxmlformats.org/presentationml/2006/main" type="title" preserve="1">
   <p:cSld name="Title Slide">
@@ -2009,7 +2097,7 @@
           <a:p>
             <a:fld id="{31EE8B0B-402A-46C1-B9C5-D98F384C91E7}" type="datetimeFigureOut">
               <a:rPr lang="en-US" smtClean="0"/>
-              <a:t>1/28/2022</a:t>
+              <a:t>1/31/2022</a:t>
             </a:fld>
             <a:endParaRPr lang="en-US"/>
           </a:p>
@@ -2207,7 +2295,7 @@
           <a:p>
             <a:fld id="{31EE8B0B-402A-46C1-B9C5-D98F384C91E7}" type="datetimeFigureOut">
               <a:rPr lang="en-US" smtClean="0"/>
-              <a:t>1/28/2022</a:t>
+              <a:t>1/31/2022</a:t>
             </a:fld>
             <a:endParaRPr lang="en-US"/>
           </a:p>
@@ -2415,7 +2503,7 @@
           <a:p>
             <a:fld id="{31EE8B0B-402A-46C1-B9C5-D98F384C91E7}" type="datetimeFigureOut">
               <a:rPr lang="en-US" smtClean="0"/>
-              <a:t>1/28/2022</a:t>
+              <a:t>1/31/2022</a:t>
             </a:fld>
             <a:endParaRPr lang="en-US"/>
           </a:p>
@@ -2613,7 +2701,7 @@
           <a:p>
             <a:fld id="{31EE8B0B-402A-46C1-B9C5-D98F384C91E7}" type="datetimeFigureOut">
               <a:rPr lang="en-US" smtClean="0"/>
-              <a:t>1/28/2022</a:t>
+              <a:t>1/31/2022</a:t>
             </a:fld>
             <a:endParaRPr lang="en-US"/>
           </a:p>
@@ -2888,7 +2976,7 @@
           <a:p>
             <a:fld id="{31EE8B0B-402A-46C1-B9C5-D98F384C91E7}" type="datetimeFigureOut">
               <a:rPr lang="en-US" smtClean="0"/>
-              <a:t>1/28/2022</a:t>
+              <a:t>1/31/2022</a:t>
             </a:fld>
             <a:endParaRPr lang="en-US"/>
           </a:p>
@@ -3153,7 +3241,7 @@
           <a:p>
             <a:fld id="{31EE8B0B-402A-46C1-B9C5-D98F384C91E7}" type="datetimeFigureOut">
               <a:rPr lang="en-US" smtClean="0"/>
-              <a:t>1/28/2022</a:t>
+              <a:t>1/31/2022</a:t>
             </a:fld>
             <a:endParaRPr lang="en-US"/>
           </a:p>
@@ -3565,7 +3653,7 @@
           <a:p>
             <a:fld id="{31EE8B0B-402A-46C1-B9C5-D98F384C91E7}" type="datetimeFigureOut">
               <a:rPr lang="en-US" smtClean="0"/>
-              <a:t>1/28/2022</a:t>
+              <a:t>1/31/2022</a:t>
             </a:fld>
             <a:endParaRPr lang="en-US"/>
           </a:p>
@@ -3706,7 +3794,7 @@
           <a:p>
             <a:fld id="{31EE8B0B-402A-46C1-B9C5-D98F384C91E7}" type="datetimeFigureOut">
               <a:rPr lang="en-US" smtClean="0"/>
-              <a:t>1/28/2022</a:t>
+              <a:t>1/31/2022</a:t>
             </a:fld>
             <a:endParaRPr lang="en-US"/>
           </a:p>
@@ -3819,7 +3907,7 @@
           <a:p>
             <a:fld id="{31EE8B0B-402A-46C1-B9C5-D98F384C91E7}" type="datetimeFigureOut">
               <a:rPr lang="en-US" smtClean="0"/>
-              <a:t>1/28/2022</a:t>
+              <a:t>1/31/2022</a:t>
             </a:fld>
             <a:endParaRPr lang="en-US"/>
           </a:p>
@@ -4130,7 +4218,7 @@
           <a:p>
             <a:fld id="{31EE8B0B-402A-46C1-B9C5-D98F384C91E7}" type="datetimeFigureOut">
               <a:rPr lang="en-US" smtClean="0"/>
-              <a:t>1/28/2022</a:t>
+              <a:t>1/31/2022</a:t>
             </a:fld>
             <a:endParaRPr lang="en-US"/>
           </a:p>
@@ -4418,7 +4506,7 @@
           <a:p>
             <a:fld id="{31EE8B0B-402A-46C1-B9C5-D98F384C91E7}" type="datetimeFigureOut">
               <a:rPr lang="en-US" smtClean="0"/>
-              <a:t>1/28/2022</a:t>
+              <a:t>1/31/2022</a:t>
             </a:fld>
             <a:endParaRPr lang="en-US"/>
           </a:p>
@@ -4659,7 +4747,7 @@
           <a:p>
             <a:fld id="{31EE8B0B-402A-46C1-B9C5-D98F384C91E7}" type="datetimeFigureOut">
               <a:rPr lang="en-US" smtClean="0"/>
-              <a:t>1/28/2022</a:t>
+              <a:t>1/31/2022</a:t>
             </a:fld>
             <a:endParaRPr lang="en-US"/>
           </a:p>
@@ -5754,7 +5842,7 @@
           <p:nvPr/>
         </p:nvPicPr>
         <p:blipFill>
-          <a:blip r:embed="rId2"/>
+          <a:blip r:embed="rId3"/>
           <a:stretch>
             <a:fillRect/>
           </a:stretch>
@@ -5784,7 +5872,7 @@
           <p:nvPr/>
         </p:nvPicPr>
         <p:blipFill>
-          <a:blip r:embed="rId3"/>
+          <a:blip r:embed="rId4"/>
           <a:stretch>
             <a:fillRect/>
           </a:stretch>
@@ -5814,7 +5902,7 @@
           <p:nvPr/>
         </p:nvPicPr>
         <p:blipFill>
-          <a:blip r:embed="rId4"/>
+          <a:blip r:embed="rId5"/>
           <a:stretch>
             <a:fillRect/>
           </a:stretch>
@@ -6691,15 +6779,6 @@
 </file>
 
 <file path=customXml/item2.xml><?xml version="1.0" encoding="utf-8"?>
-<?mso-contentType ?>
-<FormTemplates xmlns="http://schemas.microsoft.com/sharepoint/v3/contenttype/forms">
-  <Display>DocumentLibraryForm</Display>
-  <Edit>DocumentLibraryForm</Edit>
-  <New>DocumentLibraryForm</New>
-</FormTemplates>
-</file>
-
-<file path=customXml/item3.xml><?xml version="1.0" encoding="utf-8"?>
 <ct:contentTypeSchema xmlns:ct="http://schemas.microsoft.com/office/2006/metadata/contentType" xmlns:ma="http://schemas.microsoft.com/office/2006/metadata/properties/metaAttributes" ct:_="" ma:_="" ma:contentTypeName="Document" ma:contentTypeID="0x010100DCF79C5796A7E245A78D6D995BC5A3D9" ma:contentTypeVersion="11" ma:contentTypeDescription="Create a new document." ma:contentTypeScope="" ma:versionID="cf631c0af13a8c3e8ade2a08be478efd">
   <xsd:schema xmlns:xsd="http://www.w3.org/2001/XMLSchema" xmlns:xs="http://www.w3.org/2001/XMLSchema" xmlns:p="http://schemas.microsoft.com/office/2006/metadata/properties" xmlns:ns3="02f1c872-1a05-4968-a32e-1afc686dc907" xmlns:ns4="345ab639-1b23-467f-8c10-9ab9f1e3252c" targetNamespace="http://schemas.microsoft.com/office/2006/metadata/properties" ma:root="true" ma:fieldsID="5a9952372fa89d20c9d3322eb84c3639" ns3:_="" ns4:_="">
     <xsd:import namespace="02f1c872-1a05-4968-a32e-1afc686dc907"/>
@@ -6910,6 +6989,15 @@
 </ct:contentTypeSchema>
 </file>
 
+<file path=customXml/item3.xml><?xml version="1.0" encoding="utf-8"?>
+<?mso-contentType ?>
+<FormTemplates xmlns="http://schemas.microsoft.com/sharepoint/v3/contenttype/forms">
+  <Display>DocumentLibraryForm</Display>
+  <Edit>DocumentLibraryForm</Edit>
+  <New>DocumentLibraryForm</New>
+</FormTemplates>
+</file>
+
 <file path=customXml/itemProps1.xml><?xml version="1.0" encoding="utf-8"?>
 <ds:datastoreItem xmlns:ds="http://schemas.openxmlformats.org/officeDocument/2006/customXml" ds:itemID="{E0B1BEB6-0D99-4A6A-9770-EA4159C25FEB}">
   <ds:schemaRefs>
@@ -6928,14 +7016,6 @@
 </file>
 
 <file path=customXml/itemProps2.xml><?xml version="1.0" encoding="utf-8"?>
-<ds:datastoreItem xmlns:ds="http://schemas.openxmlformats.org/officeDocument/2006/customXml" ds:itemID="{5D3312CF-FCB4-4310-96F4-EA43C6DB194C}">
-  <ds:schemaRefs>
-    <ds:schemaRef ds:uri="http://schemas.microsoft.com/sharepoint/v3/contenttype/forms"/>
-  </ds:schemaRefs>
-</ds:datastoreItem>
-</file>
-
-<file path=customXml/itemProps3.xml><?xml version="1.0" encoding="utf-8"?>
 <ds:datastoreItem xmlns:ds="http://schemas.openxmlformats.org/officeDocument/2006/customXml" ds:itemID="{B0450293-209D-43D2-A9C4-304D618AD3F6}">
   <ds:schemaRefs>
     <ds:schemaRef ds:uri="02f1c872-1a05-4968-a32e-1afc686dc907"/>
@@ -6952,4 +7032,12 @@
     <ds:schemaRef ds:uri="http://www.w3.org/2001/XMLSchema"/>
   </ds:schemaRefs>
 </ds:datastoreItem>
+</file>
+
+<file path=customXml/itemProps3.xml><?xml version="1.0" encoding="utf-8"?>
+<ds:datastoreItem xmlns:ds="http://schemas.openxmlformats.org/officeDocument/2006/customXml" ds:itemID="{5D3312CF-FCB4-4310-96F4-EA43C6DB194C}">
+  <ds:schemaRefs>
+    <ds:schemaRef ds:uri="http://schemas.microsoft.com/sharepoint/v3/contenttype/forms"/>
+  </ds:schemaRefs>
+</ds:datastoreItem>
 </file>
--- a/irb/Documents/Instructions - ScreenShots.pptx
+++ b/irb/Documents/Instructions - ScreenShots.pptx
@@ -5,14 +5,19 @@
     <p:sldMasterId id="2147483648" r:id="rId4"/>
   </p:sldMasterIdLst>
   <p:notesMasterIdLst>
-    <p:notesMasterId r:id="rId10"/>
+    <p:notesMasterId r:id="rId15"/>
   </p:notesMasterIdLst>
   <p:sldIdLst>
     <p:sldId id="256" r:id="rId5"/>
     <p:sldId id="293" r:id="rId6"/>
     <p:sldId id="266" r:id="rId7"/>
     <p:sldId id="294" r:id="rId8"/>
-    <p:sldId id="295" r:id="rId9"/>
+    <p:sldId id="296" r:id="rId9"/>
+    <p:sldId id="298" r:id="rId10"/>
+    <p:sldId id="299" r:id="rId11"/>
+    <p:sldId id="300" r:id="rId12"/>
+    <p:sldId id="301" r:id="rId13"/>
+    <p:sldId id="295" r:id="rId14"/>
   </p:sldIdLst>
   <p:sldSz cx="12192000" cy="6858000"/>
   <p:notesSz cx="6858000" cy="9144000"/>
@@ -1595,7 +1600,7 @@
           <a:p>
             <a:fld id="{D83F828B-538D-44FA-9A96-F3C6D6FF69F4}" type="datetimeFigureOut">
               <a:rPr lang="en-US" smtClean="0"/>
-              <a:t>1/31/2022</a:t>
+              <a:t>2/1/2022</a:t>
             </a:fld>
             <a:endParaRPr lang="en-US"/>
           </a:p>
@@ -1950,6 +1955,446 @@
 </p:notes>
 </file>
 
+<file path=ppt/notesSlides/notesSlide2.xml><?xml version="1.0" encoding="utf-8"?>
+<p:notes xmlns:a="http://schemas.openxmlformats.org/drawingml/2006/main" xmlns:r="http://schemas.openxmlformats.org/officeDocument/2006/relationships" xmlns:p="http://schemas.openxmlformats.org/presentationml/2006/main">
+  <p:cSld>
+    <p:spTree>
+      <p:nvGrpSpPr>
+        <p:cNvPr id="1" name=""/>
+        <p:cNvGrpSpPr/>
+        <p:nvPr/>
+      </p:nvGrpSpPr>
+      <p:grpSpPr>
+        <a:xfrm>
+          <a:off x="0" y="0"/>
+          <a:ext cx="0" cy="0"/>
+          <a:chOff x="0" y="0"/>
+          <a:chExt cx="0" cy="0"/>
+        </a:xfrm>
+      </p:grpSpPr>
+      <p:sp>
+        <p:nvSpPr>
+          <p:cNvPr id="2" name="Slide Image Placeholder 1"/>
+          <p:cNvSpPr>
+            <a:spLocks noGrp="1" noRot="1" noChangeAspect="1"/>
+          </p:cNvSpPr>
+          <p:nvPr>
+            <p:ph type="sldImg"/>
+          </p:nvPr>
+        </p:nvSpPr>
+        <p:spPr/>
+      </p:sp>
+      <p:sp>
+        <p:nvSpPr>
+          <p:cNvPr id="3" name="Notes Placeholder 2"/>
+          <p:cNvSpPr>
+            <a:spLocks noGrp="1"/>
+          </p:cNvSpPr>
+          <p:nvPr>
+            <p:ph type="body" idx="1"/>
+          </p:nvPr>
+        </p:nvSpPr>
+        <p:spPr/>
+        <p:txBody>
+          <a:bodyPr/>
+          <a:lstStyle/>
+          <a:p>
+            <a:r>
+              <a:rPr lang="en-US" altLang="zh-CN" dirty="0"/>
+              <a:t>Five map examples</a:t>
+            </a:r>
+            <a:endParaRPr lang="en-US" dirty="0"/>
+          </a:p>
+        </p:txBody>
+      </p:sp>
+      <p:sp>
+        <p:nvSpPr>
+          <p:cNvPr id="4" name="Slide Number Placeholder 3"/>
+          <p:cNvSpPr>
+            <a:spLocks noGrp="1"/>
+          </p:cNvSpPr>
+          <p:nvPr>
+            <p:ph type="sldNum" sz="quarter" idx="5"/>
+          </p:nvPr>
+        </p:nvSpPr>
+        <p:spPr/>
+        <p:txBody>
+          <a:bodyPr/>
+          <a:lstStyle/>
+          <a:p>
+            <a:fld id="{726A4DCF-78F5-4808-8656-EBC0A1F3A42E}" type="slidenum">
+              <a:rPr lang="en-US" smtClean="0"/>
+              <a:t>5</a:t>
+            </a:fld>
+            <a:endParaRPr lang="en-US"/>
+          </a:p>
+        </p:txBody>
+      </p:sp>
+    </p:spTree>
+    <p:extLst>
+      <p:ext uri="{BB962C8B-B14F-4D97-AF65-F5344CB8AC3E}">
+        <p14:creationId xmlns:p14="http://schemas.microsoft.com/office/powerpoint/2010/main" val="3960338515"/>
+      </p:ext>
+    </p:extLst>
+  </p:cSld>
+  <p:clrMapOvr>
+    <a:masterClrMapping/>
+  </p:clrMapOvr>
+</p:notes>
+</file>
+
+<file path=ppt/notesSlides/notesSlide3.xml><?xml version="1.0" encoding="utf-8"?>
+<p:notes xmlns:a="http://schemas.openxmlformats.org/drawingml/2006/main" xmlns:r="http://schemas.openxmlformats.org/officeDocument/2006/relationships" xmlns:p="http://schemas.openxmlformats.org/presentationml/2006/main">
+  <p:cSld>
+    <p:spTree>
+      <p:nvGrpSpPr>
+        <p:cNvPr id="1" name=""/>
+        <p:cNvGrpSpPr/>
+        <p:nvPr/>
+      </p:nvGrpSpPr>
+      <p:grpSpPr>
+        <a:xfrm>
+          <a:off x="0" y="0"/>
+          <a:ext cx="0" cy="0"/>
+          <a:chOff x="0" y="0"/>
+          <a:chExt cx="0" cy="0"/>
+        </a:xfrm>
+      </p:grpSpPr>
+      <p:sp>
+        <p:nvSpPr>
+          <p:cNvPr id="2" name="Slide Image Placeholder 1"/>
+          <p:cNvSpPr>
+            <a:spLocks noGrp="1" noRot="1" noChangeAspect="1"/>
+          </p:cNvSpPr>
+          <p:nvPr>
+            <p:ph type="sldImg"/>
+          </p:nvPr>
+        </p:nvSpPr>
+        <p:spPr/>
+      </p:sp>
+      <p:sp>
+        <p:nvSpPr>
+          <p:cNvPr id="3" name="Notes Placeholder 2"/>
+          <p:cNvSpPr>
+            <a:spLocks noGrp="1"/>
+          </p:cNvSpPr>
+          <p:nvPr>
+            <p:ph type="body" idx="1"/>
+          </p:nvPr>
+        </p:nvSpPr>
+        <p:spPr/>
+        <p:txBody>
+          <a:bodyPr/>
+          <a:lstStyle/>
+          <a:p>
+            <a:r>
+              <a:rPr lang="en-US" altLang="zh-CN" dirty="0"/>
+              <a:t>Five map examples</a:t>
+            </a:r>
+            <a:endParaRPr lang="en-US" dirty="0"/>
+          </a:p>
+        </p:txBody>
+      </p:sp>
+      <p:sp>
+        <p:nvSpPr>
+          <p:cNvPr id="4" name="Slide Number Placeholder 3"/>
+          <p:cNvSpPr>
+            <a:spLocks noGrp="1"/>
+          </p:cNvSpPr>
+          <p:nvPr>
+            <p:ph type="sldNum" sz="quarter" idx="5"/>
+          </p:nvPr>
+        </p:nvSpPr>
+        <p:spPr/>
+        <p:txBody>
+          <a:bodyPr/>
+          <a:lstStyle/>
+          <a:p>
+            <a:fld id="{726A4DCF-78F5-4808-8656-EBC0A1F3A42E}" type="slidenum">
+              <a:rPr lang="en-US" smtClean="0"/>
+              <a:t>6</a:t>
+            </a:fld>
+            <a:endParaRPr lang="en-US"/>
+          </a:p>
+        </p:txBody>
+      </p:sp>
+    </p:spTree>
+    <p:extLst>
+      <p:ext uri="{BB962C8B-B14F-4D97-AF65-F5344CB8AC3E}">
+        <p14:creationId xmlns:p14="http://schemas.microsoft.com/office/powerpoint/2010/main" val="3819671456"/>
+      </p:ext>
+    </p:extLst>
+  </p:cSld>
+  <p:clrMapOvr>
+    <a:masterClrMapping/>
+  </p:clrMapOvr>
+</p:notes>
+</file>
+
+<file path=ppt/notesSlides/notesSlide4.xml><?xml version="1.0" encoding="utf-8"?>
+<p:notes xmlns:a="http://schemas.openxmlformats.org/drawingml/2006/main" xmlns:r="http://schemas.openxmlformats.org/officeDocument/2006/relationships" xmlns:p="http://schemas.openxmlformats.org/presentationml/2006/main">
+  <p:cSld>
+    <p:spTree>
+      <p:nvGrpSpPr>
+        <p:cNvPr id="1" name=""/>
+        <p:cNvGrpSpPr/>
+        <p:nvPr/>
+      </p:nvGrpSpPr>
+      <p:grpSpPr>
+        <a:xfrm>
+          <a:off x="0" y="0"/>
+          <a:ext cx="0" cy="0"/>
+          <a:chOff x="0" y="0"/>
+          <a:chExt cx="0" cy="0"/>
+        </a:xfrm>
+      </p:grpSpPr>
+      <p:sp>
+        <p:nvSpPr>
+          <p:cNvPr id="2" name="Slide Image Placeholder 1"/>
+          <p:cNvSpPr>
+            <a:spLocks noGrp="1" noRot="1" noChangeAspect="1"/>
+          </p:cNvSpPr>
+          <p:nvPr>
+            <p:ph type="sldImg"/>
+          </p:nvPr>
+        </p:nvSpPr>
+        <p:spPr/>
+      </p:sp>
+      <p:sp>
+        <p:nvSpPr>
+          <p:cNvPr id="3" name="Notes Placeholder 2"/>
+          <p:cNvSpPr>
+            <a:spLocks noGrp="1"/>
+          </p:cNvSpPr>
+          <p:nvPr>
+            <p:ph type="body" idx="1"/>
+          </p:nvPr>
+        </p:nvSpPr>
+        <p:spPr/>
+        <p:txBody>
+          <a:bodyPr/>
+          <a:lstStyle/>
+          <a:p>
+            <a:r>
+              <a:rPr lang="en-US" altLang="zh-CN" dirty="0"/>
+              <a:t>Five map examples</a:t>
+            </a:r>
+            <a:endParaRPr lang="en-US" dirty="0"/>
+          </a:p>
+        </p:txBody>
+      </p:sp>
+      <p:sp>
+        <p:nvSpPr>
+          <p:cNvPr id="4" name="Slide Number Placeholder 3"/>
+          <p:cNvSpPr>
+            <a:spLocks noGrp="1"/>
+          </p:cNvSpPr>
+          <p:nvPr>
+            <p:ph type="sldNum" sz="quarter" idx="5"/>
+          </p:nvPr>
+        </p:nvSpPr>
+        <p:spPr/>
+        <p:txBody>
+          <a:bodyPr/>
+          <a:lstStyle/>
+          <a:p>
+            <a:fld id="{726A4DCF-78F5-4808-8656-EBC0A1F3A42E}" type="slidenum">
+              <a:rPr lang="en-US" smtClean="0"/>
+              <a:t>7</a:t>
+            </a:fld>
+            <a:endParaRPr lang="en-US"/>
+          </a:p>
+        </p:txBody>
+      </p:sp>
+    </p:spTree>
+    <p:extLst>
+      <p:ext uri="{BB962C8B-B14F-4D97-AF65-F5344CB8AC3E}">
+        <p14:creationId xmlns:p14="http://schemas.microsoft.com/office/powerpoint/2010/main" val="4160173148"/>
+      </p:ext>
+    </p:extLst>
+  </p:cSld>
+  <p:clrMapOvr>
+    <a:masterClrMapping/>
+  </p:clrMapOvr>
+</p:notes>
+</file>
+
+<file path=ppt/notesSlides/notesSlide5.xml><?xml version="1.0" encoding="utf-8"?>
+<p:notes xmlns:a="http://schemas.openxmlformats.org/drawingml/2006/main" xmlns:r="http://schemas.openxmlformats.org/officeDocument/2006/relationships" xmlns:p="http://schemas.openxmlformats.org/presentationml/2006/main">
+  <p:cSld>
+    <p:spTree>
+      <p:nvGrpSpPr>
+        <p:cNvPr id="1" name=""/>
+        <p:cNvGrpSpPr/>
+        <p:nvPr/>
+      </p:nvGrpSpPr>
+      <p:grpSpPr>
+        <a:xfrm>
+          <a:off x="0" y="0"/>
+          <a:ext cx="0" cy="0"/>
+          <a:chOff x="0" y="0"/>
+          <a:chExt cx="0" cy="0"/>
+        </a:xfrm>
+      </p:grpSpPr>
+      <p:sp>
+        <p:nvSpPr>
+          <p:cNvPr id="2" name="Slide Image Placeholder 1"/>
+          <p:cNvSpPr>
+            <a:spLocks noGrp="1" noRot="1" noChangeAspect="1"/>
+          </p:cNvSpPr>
+          <p:nvPr>
+            <p:ph type="sldImg"/>
+          </p:nvPr>
+        </p:nvSpPr>
+        <p:spPr/>
+      </p:sp>
+      <p:sp>
+        <p:nvSpPr>
+          <p:cNvPr id="3" name="Notes Placeholder 2"/>
+          <p:cNvSpPr>
+            <a:spLocks noGrp="1"/>
+          </p:cNvSpPr>
+          <p:nvPr>
+            <p:ph type="body" idx="1"/>
+          </p:nvPr>
+        </p:nvSpPr>
+        <p:spPr/>
+        <p:txBody>
+          <a:bodyPr/>
+          <a:lstStyle/>
+          <a:p>
+            <a:r>
+              <a:rPr lang="en-US" altLang="zh-CN" dirty="0"/>
+              <a:t>Five map examples</a:t>
+            </a:r>
+            <a:endParaRPr lang="en-US" dirty="0"/>
+          </a:p>
+        </p:txBody>
+      </p:sp>
+      <p:sp>
+        <p:nvSpPr>
+          <p:cNvPr id="4" name="Slide Number Placeholder 3"/>
+          <p:cNvSpPr>
+            <a:spLocks noGrp="1"/>
+          </p:cNvSpPr>
+          <p:nvPr>
+            <p:ph type="sldNum" sz="quarter" idx="5"/>
+          </p:nvPr>
+        </p:nvSpPr>
+        <p:spPr/>
+        <p:txBody>
+          <a:bodyPr/>
+          <a:lstStyle/>
+          <a:p>
+            <a:fld id="{726A4DCF-78F5-4808-8656-EBC0A1F3A42E}" type="slidenum">
+              <a:rPr lang="en-US" smtClean="0"/>
+              <a:t>8</a:t>
+            </a:fld>
+            <a:endParaRPr lang="en-US"/>
+          </a:p>
+        </p:txBody>
+      </p:sp>
+    </p:spTree>
+    <p:extLst>
+      <p:ext uri="{BB962C8B-B14F-4D97-AF65-F5344CB8AC3E}">
+        <p14:creationId xmlns:p14="http://schemas.microsoft.com/office/powerpoint/2010/main" val="3172252832"/>
+      </p:ext>
+    </p:extLst>
+  </p:cSld>
+  <p:clrMapOvr>
+    <a:masterClrMapping/>
+  </p:clrMapOvr>
+</p:notes>
+</file>
+
+<file path=ppt/notesSlides/notesSlide6.xml><?xml version="1.0" encoding="utf-8"?>
+<p:notes xmlns:a="http://schemas.openxmlformats.org/drawingml/2006/main" xmlns:r="http://schemas.openxmlformats.org/officeDocument/2006/relationships" xmlns:p="http://schemas.openxmlformats.org/presentationml/2006/main">
+  <p:cSld>
+    <p:spTree>
+      <p:nvGrpSpPr>
+        <p:cNvPr id="1" name=""/>
+        <p:cNvGrpSpPr/>
+        <p:nvPr/>
+      </p:nvGrpSpPr>
+      <p:grpSpPr>
+        <a:xfrm>
+          <a:off x="0" y="0"/>
+          <a:ext cx="0" cy="0"/>
+          <a:chOff x="0" y="0"/>
+          <a:chExt cx="0" cy="0"/>
+        </a:xfrm>
+      </p:grpSpPr>
+      <p:sp>
+        <p:nvSpPr>
+          <p:cNvPr id="2" name="Slide Image Placeholder 1"/>
+          <p:cNvSpPr>
+            <a:spLocks noGrp="1" noRot="1" noChangeAspect="1"/>
+          </p:cNvSpPr>
+          <p:nvPr>
+            <p:ph type="sldImg"/>
+          </p:nvPr>
+        </p:nvSpPr>
+        <p:spPr/>
+      </p:sp>
+      <p:sp>
+        <p:nvSpPr>
+          <p:cNvPr id="3" name="Notes Placeholder 2"/>
+          <p:cNvSpPr>
+            <a:spLocks noGrp="1"/>
+          </p:cNvSpPr>
+          <p:nvPr>
+            <p:ph type="body" idx="1"/>
+          </p:nvPr>
+        </p:nvSpPr>
+        <p:spPr/>
+        <p:txBody>
+          <a:bodyPr/>
+          <a:lstStyle/>
+          <a:p>
+            <a:r>
+              <a:rPr lang="en-US" altLang="zh-CN" dirty="0"/>
+              <a:t>Five map examples</a:t>
+            </a:r>
+            <a:endParaRPr lang="en-US" dirty="0"/>
+          </a:p>
+        </p:txBody>
+      </p:sp>
+      <p:sp>
+        <p:nvSpPr>
+          <p:cNvPr id="4" name="Slide Number Placeholder 3"/>
+          <p:cNvSpPr>
+            <a:spLocks noGrp="1"/>
+          </p:cNvSpPr>
+          <p:nvPr>
+            <p:ph type="sldNum" sz="quarter" idx="5"/>
+          </p:nvPr>
+        </p:nvSpPr>
+        <p:spPr/>
+        <p:txBody>
+          <a:bodyPr/>
+          <a:lstStyle/>
+          <a:p>
+            <a:fld id="{726A4DCF-78F5-4808-8656-EBC0A1F3A42E}" type="slidenum">
+              <a:rPr lang="en-US" smtClean="0"/>
+              <a:t>9</a:t>
+            </a:fld>
+            <a:endParaRPr lang="en-US"/>
+          </a:p>
+        </p:txBody>
+      </p:sp>
+    </p:spTree>
+    <p:extLst>
+      <p:ext uri="{BB962C8B-B14F-4D97-AF65-F5344CB8AC3E}">
+        <p14:creationId xmlns:p14="http://schemas.microsoft.com/office/powerpoint/2010/main" val="1224056983"/>
+      </p:ext>
+    </p:extLst>
+  </p:cSld>
+  <p:clrMapOvr>
+    <a:masterClrMapping/>
+  </p:clrMapOvr>
+</p:notes>
+</file>
+
 <file path=ppt/slideLayouts/slideLayout1.xml><?xml version="1.0" encoding="utf-8"?>
 <p:sldLayout xmlns:a="http://schemas.openxmlformats.org/drawingml/2006/main" xmlns:r="http://schemas.openxmlformats.org/officeDocument/2006/relationships" xmlns:p="http://schemas.openxmlformats.org/presentationml/2006/main" type="title" preserve="1">
   <p:cSld name="Title Slide">
@@ -2097,7 +2542,7 @@
           <a:p>
             <a:fld id="{31EE8B0B-402A-46C1-B9C5-D98F384C91E7}" type="datetimeFigureOut">
               <a:rPr lang="en-US" smtClean="0"/>
-              <a:t>1/31/2022</a:t>
+              <a:t>2/1/2022</a:t>
             </a:fld>
             <a:endParaRPr lang="en-US"/>
           </a:p>
@@ -2295,7 +2740,7 @@
           <a:p>
             <a:fld id="{31EE8B0B-402A-46C1-B9C5-D98F384C91E7}" type="datetimeFigureOut">
               <a:rPr lang="en-US" smtClean="0"/>
-              <a:t>1/31/2022</a:t>
+              <a:t>2/1/2022</a:t>
             </a:fld>
             <a:endParaRPr lang="en-US"/>
           </a:p>
@@ -2503,7 +2948,7 @@
           <a:p>
             <a:fld id="{31EE8B0B-402A-46C1-B9C5-D98F384C91E7}" type="datetimeFigureOut">
               <a:rPr lang="en-US" smtClean="0"/>
-              <a:t>1/31/2022</a:t>
+              <a:t>2/1/2022</a:t>
             </a:fld>
             <a:endParaRPr lang="en-US"/>
           </a:p>
@@ -2701,7 +3146,7 @@
           <a:p>
             <a:fld id="{31EE8B0B-402A-46C1-B9C5-D98F384C91E7}" type="datetimeFigureOut">
               <a:rPr lang="en-US" smtClean="0"/>
-              <a:t>1/31/2022</a:t>
+              <a:t>2/1/2022</a:t>
             </a:fld>
             <a:endParaRPr lang="en-US"/>
           </a:p>
@@ -2976,7 +3421,7 @@
           <a:p>
             <a:fld id="{31EE8B0B-402A-46C1-B9C5-D98F384C91E7}" type="datetimeFigureOut">
               <a:rPr lang="en-US" smtClean="0"/>
-              <a:t>1/31/2022</a:t>
+              <a:t>2/1/2022</a:t>
             </a:fld>
             <a:endParaRPr lang="en-US"/>
           </a:p>
@@ -3241,7 +3686,7 @@
           <a:p>
             <a:fld id="{31EE8B0B-402A-46C1-B9C5-D98F384C91E7}" type="datetimeFigureOut">
               <a:rPr lang="en-US" smtClean="0"/>
-              <a:t>1/31/2022</a:t>
+              <a:t>2/1/2022</a:t>
             </a:fld>
             <a:endParaRPr lang="en-US"/>
           </a:p>
@@ -3653,7 +4098,7 @@
           <a:p>
             <a:fld id="{31EE8B0B-402A-46C1-B9C5-D98F384C91E7}" type="datetimeFigureOut">
               <a:rPr lang="en-US" smtClean="0"/>
-              <a:t>1/31/2022</a:t>
+              <a:t>2/1/2022</a:t>
             </a:fld>
             <a:endParaRPr lang="en-US"/>
           </a:p>
@@ -3794,7 +4239,7 @@
           <a:p>
             <a:fld id="{31EE8B0B-402A-46C1-B9C5-D98F384C91E7}" type="datetimeFigureOut">
               <a:rPr lang="en-US" smtClean="0"/>
-              <a:t>1/31/2022</a:t>
+              <a:t>2/1/2022</a:t>
             </a:fld>
             <a:endParaRPr lang="en-US"/>
           </a:p>
@@ -3907,7 +4352,7 @@
           <a:p>
             <a:fld id="{31EE8B0B-402A-46C1-B9C5-D98F384C91E7}" type="datetimeFigureOut">
               <a:rPr lang="en-US" smtClean="0"/>
-              <a:t>1/31/2022</a:t>
+              <a:t>2/1/2022</a:t>
             </a:fld>
             <a:endParaRPr lang="en-US"/>
           </a:p>
@@ -4218,7 +4663,7 @@
           <a:p>
             <a:fld id="{31EE8B0B-402A-46C1-B9C5-D98F384C91E7}" type="datetimeFigureOut">
               <a:rPr lang="en-US" smtClean="0"/>
-              <a:t>1/31/2022</a:t>
+              <a:t>2/1/2022</a:t>
             </a:fld>
             <a:endParaRPr lang="en-US"/>
           </a:p>
@@ -4506,7 +4951,7 @@
           <a:p>
             <a:fld id="{31EE8B0B-402A-46C1-B9C5-D98F384C91E7}" type="datetimeFigureOut">
               <a:rPr lang="en-US" smtClean="0"/>
-              <a:t>1/31/2022</a:t>
+              <a:t>2/1/2022</a:t>
             </a:fld>
             <a:endParaRPr lang="en-US"/>
           </a:p>
@@ -4747,7 +5192,7 @@
           <a:p>
             <a:fld id="{31EE8B0B-402A-46C1-B9C5-D98F384C91E7}" type="datetimeFigureOut">
               <a:rPr lang="en-US" smtClean="0"/>
-              <a:t>1/31/2022</a:t>
+              <a:t>2/1/2022</a:t>
             </a:fld>
             <a:endParaRPr lang="en-US"/>
           </a:p>
@@ -5202,64 +5647,33 @@
               </a:rPr>
             </a:br>
             <a:r>
-              <a:rPr lang="en-US" sz="4800" dirty="0">
+              <a:rPr lang="en-US" altLang="zh-CN" sz="4800" b="0" i="0" dirty="0">
                 <a:solidFill>
                   <a:srgbClr val="000000"/>
                 </a:solidFill>
+                <a:effectLst/>
                 <a:latin typeface="Calibri" panose="020F0502020204030204" pitchFamily="34" charset="0"/>
               </a:rPr>
-              <a:t>How Well Computers Can Read </a:t>
+              <a:t>Identifying Spatial Patterns on Choropleth Maps: </a:t>
             </a:r>
             <a:br>
-              <a:rPr lang="en-US" sz="4800" dirty="0">
+              <a:rPr lang="en-US" altLang="zh-CN" sz="4800" b="0" i="0" dirty="0">
                 <a:solidFill>
                   <a:srgbClr val="000000"/>
                 </a:solidFill>
+                <a:effectLst/>
                 <a:latin typeface="Calibri" panose="020F0502020204030204" pitchFamily="34" charset="0"/>
               </a:rPr>
             </a:br>
             <a:r>
-              <a:rPr lang="en-US" sz="4800" dirty="0">
+              <a:rPr lang="en-US" altLang="zh-CN" sz="4800" b="0" i="0" dirty="0">
                 <a:solidFill>
                   <a:srgbClr val="000000"/>
                 </a:solidFill>
+                <a:effectLst/>
                 <a:latin typeface="Calibri" panose="020F0502020204030204" pitchFamily="34" charset="0"/>
               </a:rPr>
-              <a:t>Spatial Patterns using Visual Symbols </a:t>
-            </a:r>
-            <a:br>
-              <a:rPr lang="en-US" sz="4800" dirty="0">
-                <a:solidFill>
-                  <a:srgbClr val="000000"/>
-                </a:solidFill>
-                <a:latin typeface="Calibri" panose="020F0502020204030204" pitchFamily="34" charset="0"/>
-              </a:rPr>
-            </a:br>
-            <a:r>
-              <a:rPr lang="en-US" sz="4800" dirty="0">
-                <a:solidFill>
-                  <a:srgbClr val="000000"/>
-                </a:solidFill>
-                <a:latin typeface="Calibri" panose="020F0502020204030204" pitchFamily="34" charset="0"/>
-              </a:rPr>
-              <a:t>in Choropleth Maps </a:t>
-            </a:r>
-            <a:br>
-              <a:rPr lang="en-US" sz="4800" dirty="0">
-                <a:solidFill>
-                  <a:srgbClr val="000000"/>
-                </a:solidFill>
-                <a:latin typeface="Calibri" panose="020F0502020204030204" pitchFamily="34" charset="0"/>
-              </a:rPr>
-            </a:br>
-            <a:r>
-              <a:rPr lang="en-US" sz="4800" dirty="0">
-                <a:solidFill>
-                  <a:srgbClr val="000000"/>
-                </a:solidFill>
-                <a:latin typeface="Calibri" panose="020F0502020204030204" pitchFamily="34" charset="0"/>
-              </a:rPr>
-              <a:t>Compared with Humans</a:t>
+              <a:t>A Comparison between humans and deep learning models</a:t>
             </a:r>
             <a:br>
               <a:rPr lang="en-US" sz="4800" dirty="0">
@@ -5317,6 +5731,258 @@
     <p:extLst>
       <p:ext uri="{BB962C8B-B14F-4D97-AF65-F5344CB8AC3E}">
         <p14:creationId xmlns:p14="http://schemas.microsoft.com/office/powerpoint/2010/main" val="3111717108"/>
+      </p:ext>
+    </p:extLst>
+  </p:cSld>
+  <p:clrMapOvr>
+    <a:masterClrMapping/>
+  </p:clrMapOvr>
+</p:sld>
+</file>
+
+<file path=ppt/slides/slide10.xml><?xml version="1.0" encoding="utf-8"?>
+<p:sld xmlns:a="http://schemas.openxmlformats.org/drawingml/2006/main" xmlns:r="http://schemas.openxmlformats.org/officeDocument/2006/relationships" xmlns:p="http://schemas.openxmlformats.org/presentationml/2006/main">
+  <p:cSld>
+    <p:spTree>
+      <p:nvGrpSpPr>
+        <p:cNvPr id="1" name=""/>
+        <p:cNvGrpSpPr/>
+        <p:nvPr/>
+      </p:nvGrpSpPr>
+      <p:grpSpPr>
+        <a:xfrm>
+          <a:off x="0" y="0"/>
+          <a:ext cx="0" cy="0"/>
+          <a:chOff x="0" y="0"/>
+          <a:chExt cx="0" cy="0"/>
+        </a:xfrm>
+      </p:grpSpPr>
+      <p:sp>
+        <p:nvSpPr>
+          <p:cNvPr id="6" name="Title 5">
+            <a:extLst>
+              <a:ext uri="{FF2B5EF4-FFF2-40B4-BE49-F238E27FC236}">
+                <a16:creationId xmlns:a16="http://schemas.microsoft.com/office/drawing/2014/main" id="{65C93153-C231-4F63-9041-B7390A7D096F}"/>
+              </a:ext>
+            </a:extLst>
+          </p:cNvPr>
+          <p:cNvSpPr>
+            <a:spLocks noGrp="1"/>
+          </p:cNvSpPr>
+          <p:nvPr>
+            <p:ph type="title"/>
+          </p:nvPr>
+        </p:nvSpPr>
+        <p:spPr>
+          <a:xfrm>
+            <a:off x="838200" y="245370"/>
+            <a:ext cx="10515599" cy="932688"/>
+          </a:xfrm>
+        </p:spPr>
+        <p:txBody>
+          <a:bodyPr vert="horz" lIns="91440" tIns="45720" rIns="91440" bIns="45720" rtlCol="0" anchor="b">
+            <a:normAutofit/>
+          </a:bodyPr>
+          <a:lstStyle/>
+          <a:p>
+            <a:r>
+              <a:rPr lang="en-US" sz="4400" kern="1200" dirty="0">
+                <a:latin typeface="+mn-lt"/>
+                <a:ea typeface="+mj-ea"/>
+                <a:cs typeface="+mj-cs"/>
+              </a:rPr>
+              <a:t>Completion code</a:t>
+            </a:r>
+          </a:p>
+        </p:txBody>
+      </p:sp>
+      <p:sp>
+        <p:nvSpPr>
+          <p:cNvPr id="10" name="Text Placeholder 9">
+            <a:extLst>
+              <a:ext uri="{FF2B5EF4-FFF2-40B4-BE49-F238E27FC236}">
+                <a16:creationId xmlns:a16="http://schemas.microsoft.com/office/drawing/2014/main" id="{4EE11F94-D59B-48BA-82A9-0A1B0AE9F112}"/>
+              </a:ext>
+            </a:extLst>
+          </p:cNvPr>
+          <p:cNvSpPr>
+            <a:spLocks noGrp="1"/>
+          </p:cNvSpPr>
+          <p:nvPr>
+            <p:ph type="body" sz="half" idx="2"/>
+          </p:nvPr>
+        </p:nvSpPr>
+        <p:spPr>
+          <a:xfrm>
+            <a:off x="838199" y="1335724"/>
+            <a:ext cx="10515599" cy="5143733"/>
+          </a:xfrm>
+        </p:spPr>
+        <p:txBody>
+          <a:bodyPr vert="horz" lIns="91440" tIns="45720" rIns="91440" bIns="45720" rtlCol="0" anchor="t">
+            <a:normAutofit/>
+          </a:bodyPr>
+          <a:lstStyle/>
+          <a:p>
+            <a:pPr marL="228600" indent="-228600">
+              <a:buFont typeface="Arial" panose="020B0604020202020204" pitchFamily="34" charset="0"/>
+              <a:buChar char="•"/>
+            </a:pPr>
+            <a:r>
+              <a:rPr lang="en-US" sz="3200" dirty="0">
+                <a:solidFill>
+                  <a:srgbClr val="000000"/>
+                </a:solidFill>
+              </a:rPr>
+              <a:t>If the participant is a </a:t>
+            </a:r>
+            <a:r>
+              <a:rPr lang="en-US" sz="3200" b="0" dirty="0">
+                <a:solidFill>
+                  <a:srgbClr val="000000"/>
+                </a:solidFill>
+                <a:effectLst/>
+              </a:rPr>
+              <a:t>student in </a:t>
+            </a:r>
+            <a:r>
+              <a:rPr lang="en-US" sz="3200" dirty="0">
+                <a:solidFill>
+                  <a:srgbClr val="000000"/>
+                </a:solidFill>
+              </a:rPr>
+              <a:t>the </a:t>
+            </a:r>
+            <a:r>
+              <a:rPr lang="en-US" sz="3200" b="0" dirty="0">
+                <a:solidFill>
+                  <a:srgbClr val="000000"/>
+                </a:solidFill>
+                <a:effectLst/>
+              </a:rPr>
+              <a:t>geography classes,</a:t>
+            </a:r>
+            <a:r>
+              <a:rPr lang="en-US" sz="3600" b="0" i="0" dirty="0">
+                <a:solidFill>
+                  <a:srgbClr val="32363A"/>
+                </a:solidFill>
+                <a:effectLst/>
+                <a:latin typeface="72"/>
+              </a:rPr>
+              <a:t> </a:t>
+            </a:r>
+            <a:r>
+              <a:rPr lang="en-US" sz="3200" dirty="0">
+                <a:solidFill>
+                  <a:srgbClr val="000000"/>
+                </a:solidFill>
+                <a:latin typeface="72"/>
+              </a:rPr>
+              <a:t>GEOG 5201 or GEOG 5223, </a:t>
+            </a:r>
+            <a:r>
+              <a:rPr lang="en-US" sz="3200" i="0" dirty="0">
+                <a:solidFill>
+                  <a:srgbClr val="000000"/>
+                </a:solidFill>
+                <a:latin typeface="72"/>
+              </a:rPr>
+              <a:t>t</a:t>
+            </a:r>
+            <a:r>
+              <a:rPr lang="en-US" sz="3200" dirty="0">
+                <a:solidFill>
+                  <a:srgbClr val="000000"/>
+                </a:solidFill>
+                <a:latin typeface="72"/>
+              </a:rPr>
+              <a:t>here will be a completion code generated randomly at last.</a:t>
+            </a:r>
+          </a:p>
+          <a:p>
+            <a:pPr marL="228600" indent="-228600">
+              <a:buFont typeface="Arial" panose="020B0604020202020204" pitchFamily="34" charset="0"/>
+              <a:buChar char="•"/>
+            </a:pPr>
+            <a:r>
+              <a:rPr lang="en-US" sz="3200" b="0" dirty="0">
+                <a:solidFill>
+                  <a:srgbClr val="000000"/>
+                </a:solidFill>
+                <a:effectLst/>
+              </a:rPr>
+              <a:t>The completion code will be copied and </a:t>
+            </a:r>
+            <a:r>
+              <a:rPr lang="en-US" sz="3200" b="0" dirty="0" err="1">
+                <a:solidFill>
+                  <a:srgbClr val="000000"/>
+                </a:solidFill>
+                <a:effectLst/>
+              </a:rPr>
+              <a:t>submited</a:t>
+            </a:r>
+            <a:r>
+              <a:rPr lang="en-US" sz="3200" b="0" dirty="0">
+                <a:solidFill>
+                  <a:srgbClr val="000000"/>
+                </a:solidFill>
+                <a:effectLst/>
+              </a:rPr>
+              <a:t> in his or her Carmen system, serving as the proof of completion of extra homework.</a:t>
+            </a:r>
+          </a:p>
+          <a:p>
+            <a:pPr marL="228600" indent="-228600">
+              <a:buFont typeface="Arial" panose="020B0604020202020204" pitchFamily="34" charset="0"/>
+              <a:buChar char="•"/>
+            </a:pPr>
+            <a:endParaRPr lang="en-US" sz="2800" dirty="0">
+              <a:cs typeface="Calibri"/>
+            </a:endParaRPr>
+          </a:p>
+          <a:p>
+            <a:endParaRPr lang="en-US" sz="2800" dirty="0">
+              <a:cs typeface="Calibri"/>
+            </a:endParaRPr>
+          </a:p>
+        </p:txBody>
+      </p:sp>
+      <p:pic>
+        <p:nvPicPr>
+          <p:cNvPr id="4" name="Picture 3">
+            <a:extLst>
+              <a:ext uri="{FF2B5EF4-FFF2-40B4-BE49-F238E27FC236}">
+                <a16:creationId xmlns:a16="http://schemas.microsoft.com/office/drawing/2014/main" id="{44AD697D-EC22-4923-BBA5-1888A28879B6}"/>
+              </a:ext>
+            </a:extLst>
+          </p:cNvPr>
+          <p:cNvPicPr>
+            <a:picLocks noChangeAspect="1"/>
+          </p:cNvPicPr>
+          <p:nvPr/>
+        </p:nvPicPr>
+        <p:blipFill>
+          <a:blip r:embed="rId2"/>
+          <a:stretch>
+            <a:fillRect/>
+          </a:stretch>
+        </p:blipFill>
+        <p:spPr>
+          <a:xfrm>
+            <a:off x="1919495" y="4475104"/>
+            <a:ext cx="8588983" cy="1406086"/>
+          </a:xfrm>
+          <a:prstGeom prst="rect">
+            <a:avLst/>
+          </a:prstGeom>
+        </p:spPr>
+      </p:pic>
+    </p:spTree>
+    <p:extLst>
+      <p:ext uri="{BB962C8B-B14F-4D97-AF65-F5344CB8AC3E}">
+        <p14:creationId xmlns:p14="http://schemas.microsoft.com/office/powerpoint/2010/main" val="343296915"/>
       </p:ext>
     </p:extLst>
   </p:cSld>
@@ -5859,10 +6525,10 @@
       </p:pic>
       <p:pic>
         <p:nvPicPr>
-          <p:cNvPr id="8" name="Picture 7">
-            <a:extLst>
-              <a:ext uri="{FF2B5EF4-FFF2-40B4-BE49-F238E27FC236}">
-                <a16:creationId xmlns:a16="http://schemas.microsoft.com/office/drawing/2014/main" id="{8C8DDBB6-85D4-4856-831D-A5F6D5BFE797}"/>
+          <p:cNvPr id="11" name="Picture 10">
+            <a:extLst>
+              <a:ext uri="{FF2B5EF4-FFF2-40B4-BE49-F238E27FC236}">
+                <a16:creationId xmlns:a16="http://schemas.microsoft.com/office/drawing/2014/main" id="{A1E655DA-465B-4B78-BC2B-D9FEF043904C}"/>
               </a:ext>
             </a:extLst>
           </p:cNvPr>
@@ -5879,8 +6545,8 @@
         </p:blipFill>
         <p:spPr>
           <a:xfrm>
-            <a:off x="5758619" y="3362228"/>
-            <a:ext cx="4978206" cy="1436176"/>
+            <a:off x="5758619" y="4807851"/>
+            <a:ext cx="4978206" cy="1691624"/>
           </a:xfrm>
           <a:prstGeom prst="rect">
             <a:avLst/>
@@ -5889,10 +6555,10 @@
       </p:pic>
       <p:pic>
         <p:nvPicPr>
-          <p:cNvPr id="11" name="Picture 10">
-            <a:extLst>
-              <a:ext uri="{FF2B5EF4-FFF2-40B4-BE49-F238E27FC236}">
-                <a16:creationId xmlns:a16="http://schemas.microsoft.com/office/drawing/2014/main" id="{A1E655DA-465B-4B78-BC2B-D9FEF043904C}"/>
+          <p:cNvPr id="4" name="Picture 3">
+            <a:extLst>
+              <a:ext uri="{FF2B5EF4-FFF2-40B4-BE49-F238E27FC236}">
+                <a16:creationId xmlns:a16="http://schemas.microsoft.com/office/drawing/2014/main" id="{8E496A66-B7C1-446B-A661-9E8B0D00B48D}"/>
               </a:ext>
             </a:extLst>
           </p:cNvPr>
@@ -5909,8 +6575,8 @@
         </p:blipFill>
         <p:spPr>
           <a:xfrm>
-            <a:off x="5758619" y="4807851"/>
-            <a:ext cx="4978206" cy="1691624"/>
+            <a:off x="5713295" y="3241795"/>
+            <a:ext cx="5023529" cy="1485494"/>
           </a:xfrm>
           <a:prstGeom prst="rect">
             <a:avLst/>
@@ -5976,13 +6642,16 @@
           <a:lstStyle/>
           <a:p>
             <a:r>
-              <a:rPr lang="en-US" sz="4400" kern="1200" dirty="0">
+              <a:rPr lang="en-US" altLang="zh-CN" sz="4400" dirty="0">
                 <a:latin typeface="+mn-lt"/>
-                <a:ea typeface="+mj-ea"/>
-                <a:cs typeface="+mj-cs"/>
               </a:rPr>
-              <a:t>Completion code</a:t>
-            </a:r>
+              <a:t>Example answers</a:t>
+            </a:r>
+            <a:endParaRPr lang="en-US" sz="4400" kern="1200" dirty="0">
+              <a:latin typeface="+mn-lt"/>
+              <a:ea typeface="+mj-ea"/>
+              <a:cs typeface="+mj-cs"/>
+            </a:endParaRPr>
           </a:p>
         </p:txBody>
       </p:sp>
@@ -6004,8 +6673,8 @@
         </p:nvSpPr>
         <p:spPr>
           <a:xfrm>
-            <a:off x="838199" y="1335724"/>
-            <a:ext cx="10515599" cy="5143733"/>
+            <a:off x="838199" y="4888089"/>
+            <a:ext cx="10721623" cy="1591368"/>
           </a:xfrm>
         </p:spPr>
         <p:txBody>
@@ -6014,137 +6683,29 @@
           </a:bodyPr>
           <a:lstStyle/>
           <a:p>
-            <a:pPr marL="228600" indent="-228600">
-              <a:buFont typeface="Arial" panose="020B0604020202020204" pitchFamily="34" charset="0"/>
-              <a:buChar char="•"/>
-            </a:pPr>
-            <a:r>
-              <a:rPr lang="en-US" sz="3200" dirty="0">
-                <a:solidFill>
-                  <a:srgbClr val="000000"/>
-                </a:solidFill>
+            <a:r>
+              <a:rPr lang="en-US" sz="2800" dirty="0">
+                <a:cs typeface="Calibri"/>
               </a:rPr>
-              <a:t>If the participant is a </a:t>
-            </a:r>
-            <a:r>
-              <a:rPr lang="en-US" sz="3200" b="0" dirty="0">
-                <a:solidFill>
-                  <a:srgbClr val="000000"/>
-                </a:solidFill>
-                <a:effectLst/>
+              <a:t>The same colors rendering U.S. counties are concentrated in some area.</a:t>
+            </a:r>
+          </a:p>
+          <a:p>
+            <a:r>
+              <a:rPr lang="en-US" sz="2800" dirty="0">
+                <a:cs typeface="Calibri"/>
               </a:rPr>
-              <a:t>student in </a:t>
-            </a:r>
-            <a:r>
-              <a:rPr lang="en-US" sz="3200" dirty="0">
-                <a:solidFill>
-                  <a:srgbClr val="000000"/>
-                </a:solidFill>
-              </a:rPr>
-              <a:t>the </a:t>
-            </a:r>
-            <a:r>
-              <a:rPr lang="en-US" sz="3200" b="0" dirty="0">
-                <a:solidFill>
-                  <a:srgbClr val="000000"/>
-                </a:solidFill>
-                <a:effectLst/>
-              </a:rPr>
-              <a:t>geography classes,</a:t>
-            </a:r>
-            <a:r>
-              <a:rPr lang="en-US" sz="3600" b="0" i="0" dirty="0">
-                <a:solidFill>
-                  <a:srgbClr val="32363A"/>
-                </a:solidFill>
-                <a:effectLst/>
-                <a:latin typeface="72"/>
-              </a:rPr>
-              <a:t> </a:t>
-            </a:r>
-            <a:r>
-              <a:rPr lang="en-US" sz="3200" dirty="0">
-                <a:solidFill>
-                  <a:srgbClr val="000000"/>
-                </a:solidFill>
-                <a:latin typeface="72"/>
-              </a:rPr>
-              <a:t>GEOG 5201 or GEOG 5223, </a:t>
-            </a:r>
-            <a:r>
-              <a:rPr lang="en-US" sz="3200" i="0" dirty="0">
-                <a:solidFill>
-                  <a:srgbClr val="000000"/>
-                </a:solidFill>
-                <a:latin typeface="72"/>
-              </a:rPr>
-              <a:t>t</a:t>
-            </a:r>
-            <a:r>
-              <a:rPr lang="en-US" sz="3200" dirty="0">
-                <a:solidFill>
-                  <a:srgbClr val="000000"/>
-                </a:solidFill>
-                <a:latin typeface="72"/>
-              </a:rPr>
-              <a:t>here will be a completion code generated randomly at last.</a:t>
-            </a:r>
-          </a:p>
-          <a:p>
-            <a:pPr marL="228600" indent="-228600">
-              <a:buFont typeface="Arial" panose="020B0604020202020204" pitchFamily="34" charset="0"/>
-              <a:buChar char="•"/>
-            </a:pPr>
-            <a:r>
-              <a:rPr lang="en-US" sz="3200" b="0" dirty="0">
-                <a:solidFill>
-                  <a:srgbClr val="000000"/>
-                </a:solidFill>
-                <a:effectLst/>
-              </a:rPr>
-              <a:t>The completion code will be copied and </a:t>
-            </a:r>
-            <a:r>
-              <a:rPr lang="en-US" sz="3200" b="0" dirty="0" err="1">
-                <a:solidFill>
-                  <a:srgbClr val="000000"/>
-                </a:solidFill>
-                <a:effectLst/>
-              </a:rPr>
-              <a:t>submited</a:t>
-            </a:r>
-            <a:r>
-              <a:rPr lang="en-US" sz="3200" b="0" dirty="0">
-                <a:solidFill>
-                  <a:srgbClr val="000000"/>
-                </a:solidFill>
-                <a:effectLst/>
-              </a:rPr>
-              <a:t> in his or her Carmen system, serving as the proof of completion of extra homework.</a:t>
-            </a:r>
-          </a:p>
-          <a:p>
-            <a:pPr marL="228600" indent="-228600">
-              <a:buFont typeface="Arial" panose="020B0604020202020204" pitchFamily="34" charset="0"/>
-              <a:buChar char="•"/>
-            </a:pPr>
-            <a:endParaRPr lang="en-US" sz="2800" dirty="0">
-              <a:cs typeface="Calibri"/>
-            </a:endParaRPr>
-          </a:p>
-          <a:p>
-            <a:endParaRPr lang="en-US" sz="2800" dirty="0">
-              <a:cs typeface="Calibri"/>
-            </a:endParaRPr>
+              <a:t>For example, the light red color is concentrated in the north west and south of the conterminous U.S.</a:t>
+            </a:r>
           </a:p>
         </p:txBody>
       </p:sp>
       <p:pic>
         <p:nvPicPr>
-          <p:cNvPr id="4" name="Picture 3">
-            <a:extLst>
-              <a:ext uri="{FF2B5EF4-FFF2-40B4-BE49-F238E27FC236}">
-                <a16:creationId xmlns:a16="http://schemas.microsoft.com/office/drawing/2014/main" id="{44AD697D-EC22-4923-BBA5-1888A28879B6}"/>
+          <p:cNvPr id="5" name="Picture 4" descr="Map&#10;&#10;Description automatically generated">
+            <a:extLst>
+              <a:ext uri="{FF2B5EF4-FFF2-40B4-BE49-F238E27FC236}">
+                <a16:creationId xmlns:a16="http://schemas.microsoft.com/office/drawing/2014/main" id="{6AE0073B-5B2C-4518-83D6-48B7C3CC0C2D}"/>
               </a:ext>
             </a:extLst>
           </p:cNvPr>
@@ -6154,15 +6715,51 @@
           <p:nvPr/>
         </p:nvPicPr>
         <p:blipFill>
-          <a:blip r:embed="rId2"/>
+          <a:blip r:embed="rId3">
+            <a:extLst>
+              <a:ext uri="{28A0092B-C50C-407E-A947-70E740481C1C}">
+                <a14:useLocalDpi xmlns:a14="http://schemas.microsoft.com/office/drawing/2010/main" val="0"/>
+              </a:ext>
+            </a:extLst>
+          </a:blip>
           <a:stretch>
             <a:fillRect/>
           </a:stretch>
         </p:blipFill>
         <p:spPr>
           <a:xfrm>
-            <a:off x="1919495" y="4475104"/>
-            <a:ext cx="8588983" cy="1406086"/>
+            <a:off x="410125" y="1560889"/>
+            <a:ext cx="5004816" cy="2944368"/>
+          </a:xfrm>
+          <a:prstGeom prst="rect">
+            <a:avLst/>
+          </a:prstGeom>
+        </p:spPr>
+      </p:pic>
+      <p:pic>
+        <p:nvPicPr>
+          <p:cNvPr id="8" name="Picture 7">
+            <a:extLst>
+              <a:ext uri="{FF2B5EF4-FFF2-40B4-BE49-F238E27FC236}">
+                <a16:creationId xmlns:a16="http://schemas.microsoft.com/office/drawing/2014/main" id="{C74E3EC7-BBC3-40A1-9650-6F0FDEEDAE37}"/>
+              </a:ext>
+            </a:extLst>
+          </p:cNvPr>
+          <p:cNvPicPr>
+            <a:picLocks noChangeAspect="1"/>
+          </p:cNvPicPr>
+          <p:nvPr/>
+        </p:nvPicPr>
+        <p:blipFill>
+          <a:blip r:embed="rId4"/>
+          <a:stretch>
+            <a:fillRect/>
+          </a:stretch>
+        </p:blipFill>
+        <p:spPr>
+          <a:xfrm>
+            <a:off x="5475109" y="2143786"/>
+            <a:ext cx="5825066" cy="1778574"/>
           </a:xfrm>
           <a:prstGeom prst="rect">
             <a:avLst/>
@@ -6172,7 +6769,801 @@
     </p:spTree>
     <p:extLst>
       <p:ext uri="{BB962C8B-B14F-4D97-AF65-F5344CB8AC3E}">
-        <p14:creationId xmlns:p14="http://schemas.microsoft.com/office/powerpoint/2010/main" val="343296915"/>
+        <p14:creationId xmlns:p14="http://schemas.microsoft.com/office/powerpoint/2010/main" val="595586122"/>
+      </p:ext>
+    </p:extLst>
+  </p:cSld>
+  <p:clrMapOvr>
+    <a:masterClrMapping/>
+  </p:clrMapOvr>
+</p:sld>
+</file>
+
+<file path=ppt/slides/slide6.xml><?xml version="1.0" encoding="utf-8"?>
+<p:sld xmlns:a="http://schemas.openxmlformats.org/drawingml/2006/main" xmlns:r="http://schemas.openxmlformats.org/officeDocument/2006/relationships" xmlns:p="http://schemas.openxmlformats.org/presentationml/2006/main">
+  <p:cSld>
+    <p:spTree>
+      <p:nvGrpSpPr>
+        <p:cNvPr id="1" name=""/>
+        <p:cNvGrpSpPr/>
+        <p:nvPr/>
+      </p:nvGrpSpPr>
+      <p:grpSpPr>
+        <a:xfrm>
+          <a:off x="0" y="0"/>
+          <a:ext cx="0" cy="0"/>
+          <a:chOff x="0" y="0"/>
+          <a:chExt cx="0" cy="0"/>
+        </a:xfrm>
+      </p:grpSpPr>
+      <p:sp>
+        <p:nvSpPr>
+          <p:cNvPr id="6" name="Title 5">
+            <a:extLst>
+              <a:ext uri="{FF2B5EF4-FFF2-40B4-BE49-F238E27FC236}">
+                <a16:creationId xmlns:a16="http://schemas.microsoft.com/office/drawing/2014/main" id="{65C93153-C231-4F63-9041-B7390A7D096F}"/>
+              </a:ext>
+            </a:extLst>
+          </p:cNvPr>
+          <p:cNvSpPr>
+            <a:spLocks noGrp="1"/>
+          </p:cNvSpPr>
+          <p:nvPr>
+            <p:ph type="title"/>
+          </p:nvPr>
+        </p:nvSpPr>
+        <p:spPr>
+          <a:xfrm>
+            <a:off x="838200" y="245370"/>
+            <a:ext cx="10515599" cy="932688"/>
+          </a:xfrm>
+        </p:spPr>
+        <p:txBody>
+          <a:bodyPr vert="horz" lIns="91440" tIns="45720" rIns="91440" bIns="45720" rtlCol="0" anchor="b">
+            <a:normAutofit/>
+          </a:bodyPr>
+          <a:lstStyle/>
+          <a:p>
+            <a:r>
+              <a:rPr lang="en-US" altLang="zh-CN" sz="4400" dirty="0">
+                <a:latin typeface="+mn-lt"/>
+              </a:rPr>
+              <a:t>Example answers</a:t>
+            </a:r>
+            <a:endParaRPr lang="en-US" sz="4400" kern="1200" dirty="0">
+              <a:latin typeface="+mn-lt"/>
+              <a:ea typeface="+mj-ea"/>
+              <a:cs typeface="+mj-cs"/>
+            </a:endParaRPr>
+          </a:p>
+        </p:txBody>
+      </p:sp>
+      <p:sp>
+        <p:nvSpPr>
+          <p:cNvPr id="10" name="Text Placeholder 9">
+            <a:extLst>
+              <a:ext uri="{FF2B5EF4-FFF2-40B4-BE49-F238E27FC236}">
+                <a16:creationId xmlns:a16="http://schemas.microsoft.com/office/drawing/2014/main" id="{4EE11F94-D59B-48BA-82A9-0A1B0AE9F112}"/>
+              </a:ext>
+            </a:extLst>
+          </p:cNvPr>
+          <p:cNvSpPr>
+            <a:spLocks noGrp="1"/>
+          </p:cNvSpPr>
+          <p:nvPr>
+            <p:ph type="body" sz="half" idx="2"/>
+          </p:nvPr>
+        </p:nvSpPr>
+        <p:spPr>
+          <a:xfrm>
+            <a:off x="838199" y="4888089"/>
+            <a:ext cx="10721623" cy="1591368"/>
+          </a:xfrm>
+        </p:spPr>
+        <p:txBody>
+          <a:bodyPr vert="horz" lIns="91440" tIns="45720" rIns="91440" bIns="45720" rtlCol="0" anchor="t">
+            <a:normAutofit/>
+          </a:bodyPr>
+          <a:lstStyle/>
+          <a:p>
+            <a:r>
+              <a:rPr lang="en-US" altLang="zh-CN" sz="2800" dirty="0">
+                <a:cs typeface="Calibri"/>
+              </a:rPr>
+              <a:t>The color for each class scatters over Ohio. </a:t>
+            </a:r>
+          </a:p>
+          <a:p>
+            <a:r>
+              <a:rPr lang="en-US" altLang="zh-CN" sz="2800" dirty="0">
+                <a:cs typeface="Calibri"/>
+              </a:rPr>
+              <a:t>There is no significant concentration in this map.</a:t>
+            </a:r>
+            <a:endParaRPr lang="en-US" sz="2800" dirty="0">
+              <a:cs typeface="Calibri"/>
+            </a:endParaRPr>
+          </a:p>
+        </p:txBody>
+      </p:sp>
+      <p:pic>
+        <p:nvPicPr>
+          <p:cNvPr id="3" name="Picture 2" descr="Map&#10;&#10;Description automatically generated">
+            <a:extLst>
+              <a:ext uri="{FF2B5EF4-FFF2-40B4-BE49-F238E27FC236}">
+                <a16:creationId xmlns:a16="http://schemas.microsoft.com/office/drawing/2014/main" id="{246EC8E5-27F4-4E0F-B317-CD7D24C979AF}"/>
+              </a:ext>
+            </a:extLst>
+          </p:cNvPr>
+          <p:cNvPicPr>
+            <a:picLocks noChangeAspect="1"/>
+          </p:cNvPicPr>
+          <p:nvPr/>
+        </p:nvPicPr>
+        <p:blipFill>
+          <a:blip r:embed="rId3">
+            <a:extLst>
+              <a:ext uri="{28A0092B-C50C-407E-A947-70E740481C1C}">
+                <a14:useLocalDpi xmlns:a14="http://schemas.microsoft.com/office/drawing/2010/main" val="0"/>
+              </a:ext>
+            </a:extLst>
+          </a:blip>
+          <a:stretch>
+            <a:fillRect/>
+          </a:stretch>
+        </p:blipFill>
+        <p:spPr>
+          <a:xfrm>
+            <a:off x="386532" y="1460857"/>
+            <a:ext cx="4803648" cy="2944368"/>
+          </a:xfrm>
+          <a:prstGeom prst="rect">
+            <a:avLst/>
+          </a:prstGeom>
+        </p:spPr>
+      </p:pic>
+      <p:pic>
+        <p:nvPicPr>
+          <p:cNvPr id="7" name="Picture 6">
+            <a:extLst>
+              <a:ext uri="{FF2B5EF4-FFF2-40B4-BE49-F238E27FC236}">
+                <a16:creationId xmlns:a16="http://schemas.microsoft.com/office/drawing/2014/main" id="{CC5E5881-EF24-403C-B509-B0B19D13C70C}"/>
+              </a:ext>
+            </a:extLst>
+          </p:cNvPr>
+          <p:cNvPicPr>
+            <a:picLocks noChangeAspect="1"/>
+          </p:cNvPicPr>
+          <p:nvPr/>
+        </p:nvPicPr>
+        <p:blipFill>
+          <a:blip r:embed="rId4"/>
+          <a:stretch>
+            <a:fillRect/>
+          </a:stretch>
+        </p:blipFill>
+        <p:spPr>
+          <a:xfrm>
+            <a:off x="5246625" y="2056741"/>
+            <a:ext cx="5924550" cy="1752600"/>
+          </a:xfrm>
+          <a:prstGeom prst="rect">
+            <a:avLst/>
+          </a:prstGeom>
+        </p:spPr>
+      </p:pic>
+    </p:spTree>
+    <p:extLst>
+      <p:ext uri="{BB962C8B-B14F-4D97-AF65-F5344CB8AC3E}">
+        <p14:creationId xmlns:p14="http://schemas.microsoft.com/office/powerpoint/2010/main" val="3363768227"/>
+      </p:ext>
+    </p:extLst>
+  </p:cSld>
+  <p:clrMapOvr>
+    <a:masterClrMapping/>
+  </p:clrMapOvr>
+</p:sld>
+</file>
+
+<file path=ppt/slides/slide7.xml><?xml version="1.0" encoding="utf-8"?>
+<p:sld xmlns:a="http://schemas.openxmlformats.org/drawingml/2006/main" xmlns:r="http://schemas.openxmlformats.org/officeDocument/2006/relationships" xmlns:p="http://schemas.openxmlformats.org/presentationml/2006/main">
+  <p:cSld>
+    <p:spTree>
+      <p:nvGrpSpPr>
+        <p:cNvPr id="1" name=""/>
+        <p:cNvGrpSpPr/>
+        <p:nvPr/>
+      </p:nvGrpSpPr>
+      <p:grpSpPr>
+        <a:xfrm>
+          <a:off x="0" y="0"/>
+          <a:ext cx="0" cy="0"/>
+          <a:chOff x="0" y="0"/>
+          <a:chExt cx="0" cy="0"/>
+        </a:xfrm>
+      </p:grpSpPr>
+      <p:sp>
+        <p:nvSpPr>
+          <p:cNvPr id="6" name="Title 5">
+            <a:extLst>
+              <a:ext uri="{FF2B5EF4-FFF2-40B4-BE49-F238E27FC236}">
+                <a16:creationId xmlns:a16="http://schemas.microsoft.com/office/drawing/2014/main" id="{65C93153-C231-4F63-9041-B7390A7D096F}"/>
+              </a:ext>
+            </a:extLst>
+          </p:cNvPr>
+          <p:cNvSpPr>
+            <a:spLocks noGrp="1"/>
+          </p:cNvSpPr>
+          <p:nvPr>
+            <p:ph type="title"/>
+          </p:nvPr>
+        </p:nvSpPr>
+        <p:spPr>
+          <a:xfrm>
+            <a:off x="838200" y="245370"/>
+            <a:ext cx="10515599" cy="932688"/>
+          </a:xfrm>
+        </p:spPr>
+        <p:txBody>
+          <a:bodyPr vert="horz" lIns="91440" tIns="45720" rIns="91440" bIns="45720" rtlCol="0" anchor="b">
+            <a:normAutofit/>
+          </a:bodyPr>
+          <a:lstStyle/>
+          <a:p>
+            <a:r>
+              <a:rPr lang="en-US" altLang="zh-CN" sz="4400" dirty="0">
+                <a:latin typeface="+mn-lt"/>
+              </a:rPr>
+              <a:t>Example answers</a:t>
+            </a:r>
+            <a:endParaRPr lang="en-US" sz="4400" kern="1200" dirty="0">
+              <a:latin typeface="+mn-lt"/>
+              <a:ea typeface="+mj-ea"/>
+              <a:cs typeface="+mj-cs"/>
+            </a:endParaRPr>
+          </a:p>
+        </p:txBody>
+      </p:sp>
+      <p:sp>
+        <p:nvSpPr>
+          <p:cNvPr id="10" name="Text Placeholder 9">
+            <a:extLst>
+              <a:ext uri="{FF2B5EF4-FFF2-40B4-BE49-F238E27FC236}">
+                <a16:creationId xmlns:a16="http://schemas.microsoft.com/office/drawing/2014/main" id="{4EE11F94-D59B-48BA-82A9-0A1B0AE9F112}"/>
+              </a:ext>
+            </a:extLst>
+          </p:cNvPr>
+          <p:cNvSpPr>
+            <a:spLocks noGrp="1"/>
+          </p:cNvSpPr>
+          <p:nvPr>
+            <p:ph type="body" sz="half" idx="2"/>
+          </p:nvPr>
+        </p:nvSpPr>
+        <p:spPr>
+          <a:xfrm>
+            <a:off x="838199" y="4888089"/>
+            <a:ext cx="10721623" cy="1591368"/>
+          </a:xfrm>
+        </p:spPr>
+        <p:txBody>
+          <a:bodyPr vert="horz" lIns="91440" tIns="45720" rIns="91440" bIns="45720" rtlCol="0" anchor="t">
+            <a:normAutofit/>
+          </a:bodyPr>
+          <a:lstStyle/>
+          <a:p>
+            <a:r>
+              <a:rPr lang="en-US" sz="2800" dirty="0">
+                <a:cs typeface="Calibri"/>
+              </a:rPr>
+              <a:t>The same colors rendering U.S. counties </a:t>
+            </a:r>
+            <a:r>
+              <a:rPr lang="en-US" altLang="zh-CN" sz="2800" dirty="0">
+                <a:cs typeface="Calibri"/>
+              </a:rPr>
+              <a:t>occur near their similar values such as the light blue color </a:t>
+            </a:r>
+            <a:r>
+              <a:rPr lang="en-US" sz="2800" dirty="0">
+                <a:cs typeface="Calibri"/>
+              </a:rPr>
+              <a:t>in the north west and south of the conterminous U.S.</a:t>
+            </a:r>
+          </a:p>
+        </p:txBody>
+      </p:sp>
+      <p:pic>
+        <p:nvPicPr>
+          <p:cNvPr id="3" name="Picture 2" descr="Map&#10;&#10;Description automatically generated">
+            <a:extLst>
+              <a:ext uri="{FF2B5EF4-FFF2-40B4-BE49-F238E27FC236}">
+                <a16:creationId xmlns:a16="http://schemas.microsoft.com/office/drawing/2014/main" id="{C6984D8D-68F2-4690-9B55-131959ADFF40}"/>
+              </a:ext>
+            </a:extLst>
+          </p:cNvPr>
+          <p:cNvPicPr>
+            <a:picLocks noChangeAspect="1"/>
+          </p:cNvPicPr>
+          <p:nvPr/>
+        </p:nvPicPr>
+        <p:blipFill>
+          <a:blip r:embed="rId3">
+            <a:extLst>
+              <a:ext uri="{28A0092B-C50C-407E-A947-70E740481C1C}">
+                <a14:useLocalDpi xmlns:a14="http://schemas.microsoft.com/office/drawing/2010/main" val="0"/>
+              </a:ext>
+            </a:extLst>
+          </a:blip>
+          <a:stretch>
+            <a:fillRect/>
+          </a:stretch>
+        </p:blipFill>
+        <p:spPr>
+          <a:xfrm>
+            <a:off x="395112" y="1561705"/>
+            <a:ext cx="5004816" cy="2944368"/>
+          </a:xfrm>
+          <a:prstGeom prst="rect">
+            <a:avLst/>
+          </a:prstGeom>
+        </p:spPr>
+      </p:pic>
+      <p:pic>
+        <p:nvPicPr>
+          <p:cNvPr id="7" name="Picture 6">
+            <a:extLst>
+              <a:ext uri="{FF2B5EF4-FFF2-40B4-BE49-F238E27FC236}">
+                <a16:creationId xmlns:a16="http://schemas.microsoft.com/office/drawing/2014/main" id="{EEA8D22C-359F-4204-AFC3-F079A29E470A}"/>
+              </a:ext>
+            </a:extLst>
+          </p:cNvPr>
+          <p:cNvPicPr>
+            <a:picLocks noChangeAspect="1"/>
+          </p:cNvPicPr>
+          <p:nvPr/>
+        </p:nvPicPr>
+        <p:blipFill>
+          <a:blip r:embed="rId4"/>
+          <a:stretch>
+            <a:fillRect/>
+          </a:stretch>
+        </p:blipFill>
+        <p:spPr>
+          <a:xfrm>
+            <a:off x="5448299" y="1986139"/>
+            <a:ext cx="5905500" cy="2095500"/>
+          </a:xfrm>
+          <a:prstGeom prst="rect">
+            <a:avLst/>
+          </a:prstGeom>
+        </p:spPr>
+      </p:pic>
+    </p:spTree>
+    <p:extLst>
+      <p:ext uri="{BB962C8B-B14F-4D97-AF65-F5344CB8AC3E}">
+        <p14:creationId xmlns:p14="http://schemas.microsoft.com/office/powerpoint/2010/main" val="1185703308"/>
+      </p:ext>
+    </p:extLst>
+  </p:cSld>
+  <p:clrMapOvr>
+    <a:masterClrMapping/>
+  </p:clrMapOvr>
+</p:sld>
+</file>
+
+<file path=ppt/slides/slide8.xml><?xml version="1.0" encoding="utf-8"?>
+<p:sld xmlns:a="http://schemas.openxmlformats.org/drawingml/2006/main" xmlns:r="http://schemas.openxmlformats.org/officeDocument/2006/relationships" xmlns:p="http://schemas.openxmlformats.org/presentationml/2006/main">
+  <p:cSld>
+    <p:spTree>
+      <p:nvGrpSpPr>
+        <p:cNvPr id="1" name=""/>
+        <p:cNvGrpSpPr/>
+        <p:nvPr/>
+      </p:nvGrpSpPr>
+      <p:grpSpPr>
+        <a:xfrm>
+          <a:off x="0" y="0"/>
+          <a:ext cx="0" cy="0"/>
+          <a:chOff x="0" y="0"/>
+          <a:chExt cx="0" cy="0"/>
+        </a:xfrm>
+      </p:grpSpPr>
+      <p:sp>
+        <p:nvSpPr>
+          <p:cNvPr id="6" name="Title 5">
+            <a:extLst>
+              <a:ext uri="{FF2B5EF4-FFF2-40B4-BE49-F238E27FC236}">
+                <a16:creationId xmlns:a16="http://schemas.microsoft.com/office/drawing/2014/main" id="{65C93153-C231-4F63-9041-B7390A7D096F}"/>
+              </a:ext>
+            </a:extLst>
+          </p:cNvPr>
+          <p:cNvSpPr>
+            <a:spLocks noGrp="1"/>
+          </p:cNvSpPr>
+          <p:nvPr>
+            <p:ph type="title"/>
+          </p:nvPr>
+        </p:nvSpPr>
+        <p:spPr>
+          <a:xfrm>
+            <a:off x="838200" y="245370"/>
+            <a:ext cx="10515599" cy="932688"/>
+          </a:xfrm>
+        </p:spPr>
+        <p:txBody>
+          <a:bodyPr vert="horz" lIns="91440" tIns="45720" rIns="91440" bIns="45720" rtlCol="0" anchor="b">
+            <a:normAutofit/>
+          </a:bodyPr>
+          <a:lstStyle/>
+          <a:p>
+            <a:r>
+              <a:rPr lang="en-US" altLang="zh-CN" sz="4400" dirty="0">
+                <a:latin typeface="+mn-lt"/>
+              </a:rPr>
+              <a:t>Example answers</a:t>
+            </a:r>
+            <a:endParaRPr lang="en-US" sz="4400" kern="1200" dirty="0">
+              <a:latin typeface="+mn-lt"/>
+              <a:ea typeface="+mj-ea"/>
+              <a:cs typeface="+mj-cs"/>
+            </a:endParaRPr>
+          </a:p>
+        </p:txBody>
+      </p:sp>
+      <p:sp>
+        <p:nvSpPr>
+          <p:cNvPr id="10" name="Text Placeholder 9">
+            <a:extLst>
+              <a:ext uri="{FF2B5EF4-FFF2-40B4-BE49-F238E27FC236}">
+                <a16:creationId xmlns:a16="http://schemas.microsoft.com/office/drawing/2014/main" id="{4EE11F94-D59B-48BA-82A9-0A1B0AE9F112}"/>
+              </a:ext>
+            </a:extLst>
+          </p:cNvPr>
+          <p:cNvSpPr>
+            <a:spLocks noGrp="1"/>
+          </p:cNvSpPr>
+          <p:nvPr>
+            <p:ph type="body" sz="half" idx="2"/>
+          </p:nvPr>
+        </p:nvSpPr>
+        <p:spPr>
+          <a:xfrm>
+            <a:off x="838199" y="4888089"/>
+            <a:ext cx="10721623" cy="1591368"/>
+          </a:xfrm>
+        </p:spPr>
+        <p:txBody>
+          <a:bodyPr vert="horz" lIns="91440" tIns="45720" rIns="91440" bIns="45720" rtlCol="0" anchor="t">
+            <a:normAutofit/>
+          </a:bodyPr>
+          <a:lstStyle/>
+          <a:p>
+            <a:r>
+              <a:rPr lang="en-US" altLang="zh-CN" sz="2800" dirty="0">
+                <a:cs typeface="Calibri"/>
+              </a:rPr>
+              <a:t>The values occur near different values. </a:t>
+            </a:r>
+          </a:p>
+          <a:p>
+            <a:r>
+              <a:rPr lang="en-US" altLang="zh-CN" sz="2800" dirty="0">
+                <a:cs typeface="Calibri"/>
+              </a:rPr>
+              <a:t>For example, the surrounding counties of Morgan county (red box in the map) are small values while Morgan county is rendered with a high value.</a:t>
+            </a:r>
+            <a:endParaRPr lang="en-US" sz="2800" dirty="0">
+              <a:cs typeface="Calibri"/>
+            </a:endParaRPr>
+          </a:p>
+        </p:txBody>
+      </p:sp>
+      <p:pic>
+        <p:nvPicPr>
+          <p:cNvPr id="4" name="Picture 3" descr="Map&#10;&#10;Description automatically generated">
+            <a:extLst>
+              <a:ext uri="{FF2B5EF4-FFF2-40B4-BE49-F238E27FC236}">
+                <a16:creationId xmlns:a16="http://schemas.microsoft.com/office/drawing/2014/main" id="{9FA27018-77C0-4183-BCD6-15E5CC24A277}"/>
+              </a:ext>
+            </a:extLst>
+          </p:cNvPr>
+          <p:cNvPicPr>
+            <a:picLocks noChangeAspect="1"/>
+          </p:cNvPicPr>
+          <p:nvPr/>
+        </p:nvPicPr>
+        <p:blipFill>
+          <a:blip r:embed="rId3">
+            <a:extLst>
+              <a:ext uri="{28A0092B-C50C-407E-A947-70E740481C1C}">
+                <a14:useLocalDpi xmlns:a14="http://schemas.microsoft.com/office/drawing/2010/main" val="0"/>
+              </a:ext>
+            </a:extLst>
+          </a:blip>
+          <a:stretch>
+            <a:fillRect/>
+          </a:stretch>
+        </p:blipFill>
+        <p:spPr>
+          <a:xfrm>
+            <a:off x="442977" y="1460857"/>
+            <a:ext cx="4803648" cy="2944368"/>
+          </a:xfrm>
+          <a:prstGeom prst="rect">
+            <a:avLst/>
+          </a:prstGeom>
+        </p:spPr>
+      </p:pic>
+      <p:pic>
+        <p:nvPicPr>
+          <p:cNvPr id="8" name="Picture 7">
+            <a:extLst>
+              <a:ext uri="{FF2B5EF4-FFF2-40B4-BE49-F238E27FC236}">
+                <a16:creationId xmlns:a16="http://schemas.microsoft.com/office/drawing/2014/main" id="{8F7B0C5F-9556-49FB-A104-C69EE64B2FC3}"/>
+              </a:ext>
+            </a:extLst>
+          </p:cNvPr>
+          <p:cNvPicPr>
+            <a:picLocks noChangeAspect="1"/>
+          </p:cNvPicPr>
+          <p:nvPr/>
+        </p:nvPicPr>
+        <p:blipFill>
+          <a:blip r:embed="rId4"/>
+          <a:stretch>
+            <a:fillRect/>
+          </a:stretch>
+        </p:blipFill>
+        <p:spPr>
+          <a:xfrm>
+            <a:off x="5246625" y="1913866"/>
+            <a:ext cx="5886450" cy="2038350"/>
+          </a:xfrm>
+          <a:prstGeom prst="rect">
+            <a:avLst/>
+          </a:prstGeom>
+        </p:spPr>
+      </p:pic>
+      <p:sp>
+        <p:nvSpPr>
+          <p:cNvPr id="9" name="Rectangle 8">
+            <a:extLst>
+              <a:ext uri="{FF2B5EF4-FFF2-40B4-BE49-F238E27FC236}">
+                <a16:creationId xmlns:a16="http://schemas.microsoft.com/office/drawing/2014/main" id="{0CFEA706-5CAA-4412-B1BC-7F3AD09E6B48}"/>
+              </a:ext>
+            </a:extLst>
+          </p:cNvPr>
+          <p:cNvSpPr/>
+          <p:nvPr/>
+        </p:nvSpPr>
+        <p:spPr>
+          <a:xfrm>
+            <a:off x="2528711" y="3160889"/>
+            <a:ext cx="395111" cy="327377"/>
+          </a:xfrm>
+          <a:prstGeom prst="rect">
+            <a:avLst/>
+          </a:prstGeom>
+          <a:noFill/>
+          <a:ln w="38100">
+            <a:solidFill>
+              <a:srgbClr val="C00000"/>
+            </a:solidFill>
+          </a:ln>
+        </p:spPr>
+        <p:style>
+          <a:lnRef idx="2">
+            <a:schemeClr val="accent1">
+              <a:shade val="50000"/>
+            </a:schemeClr>
+          </a:lnRef>
+          <a:fillRef idx="1">
+            <a:schemeClr val="accent1"/>
+          </a:fillRef>
+          <a:effectRef idx="0">
+            <a:schemeClr val="accent1"/>
+          </a:effectRef>
+          <a:fontRef idx="minor">
+            <a:schemeClr val="lt1"/>
+          </a:fontRef>
+        </p:style>
+        <p:txBody>
+          <a:bodyPr rtlCol="0" anchor="ctr"/>
+          <a:lstStyle/>
+          <a:p>
+            <a:pPr algn="ctr"/>
+            <a:endParaRPr lang="en-US"/>
+          </a:p>
+        </p:txBody>
+      </p:sp>
+    </p:spTree>
+    <p:extLst>
+      <p:ext uri="{BB962C8B-B14F-4D97-AF65-F5344CB8AC3E}">
+        <p14:creationId xmlns:p14="http://schemas.microsoft.com/office/powerpoint/2010/main" val="4221690967"/>
+      </p:ext>
+    </p:extLst>
+  </p:cSld>
+  <p:clrMapOvr>
+    <a:masterClrMapping/>
+  </p:clrMapOvr>
+</p:sld>
+</file>
+
+<file path=ppt/slides/slide9.xml><?xml version="1.0" encoding="utf-8"?>
+<p:sld xmlns:a="http://schemas.openxmlformats.org/drawingml/2006/main" xmlns:r="http://schemas.openxmlformats.org/officeDocument/2006/relationships" xmlns:p="http://schemas.openxmlformats.org/presentationml/2006/main">
+  <p:cSld>
+    <p:spTree>
+      <p:nvGrpSpPr>
+        <p:cNvPr id="1" name=""/>
+        <p:cNvGrpSpPr/>
+        <p:nvPr/>
+      </p:nvGrpSpPr>
+      <p:grpSpPr>
+        <a:xfrm>
+          <a:off x="0" y="0"/>
+          <a:ext cx="0" cy="0"/>
+          <a:chOff x="0" y="0"/>
+          <a:chExt cx="0" cy="0"/>
+        </a:xfrm>
+      </p:grpSpPr>
+      <p:sp>
+        <p:nvSpPr>
+          <p:cNvPr id="6" name="Title 5">
+            <a:extLst>
+              <a:ext uri="{FF2B5EF4-FFF2-40B4-BE49-F238E27FC236}">
+                <a16:creationId xmlns:a16="http://schemas.microsoft.com/office/drawing/2014/main" id="{65C93153-C231-4F63-9041-B7390A7D096F}"/>
+              </a:ext>
+            </a:extLst>
+          </p:cNvPr>
+          <p:cNvSpPr>
+            <a:spLocks noGrp="1"/>
+          </p:cNvSpPr>
+          <p:nvPr>
+            <p:ph type="title"/>
+          </p:nvPr>
+        </p:nvSpPr>
+        <p:spPr>
+          <a:xfrm>
+            <a:off x="838200" y="245370"/>
+            <a:ext cx="10515599" cy="932688"/>
+          </a:xfrm>
+        </p:spPr>
+        <p:txBody>
+          <a:bodyPr vert="horz" lIns="91440" tIns="45720" rIns="91440" bIns="45720" rtlCol="0" anchor="b">
+            <a:normAutofit/>
+          </a:bodyPr>
+          <a:lstStyle/>
+          <a:p>
+            <a:r>
+              <a:rPr lang="en-US" altLang="zh-CN" sz="4400" dirty="0">
+                <a:latin typeface="+mn-lt"/>
+              </a:rPr>
+              <a:t>Example answers</a:t>
+            </a:r>
+            <a:endParaRPr lang="en-US" sz="4400" kern="1200" dirty="0">
+              <a:latin typeface="+mn-lt"/>
+              <a:ea typeface="+mj-ea"/>
+              <a:cs typeface="+mj-cs"/>
+            </a:endParaRPr>
+          </a:p>
+        </p:txBody>
+      </p:sp>
+      <p:sp>
+        <p:nvSpPr>
+          <p:cNvPr id="10" name="Text Placeholder 9">
+            <a:extLst>
+              <a:ext uri="{FF2B5EF4-FFF2-40B4-BE49-F238E27FC236}">
+                <a16:creationId xmlns:a16="http://schemas.microsoft.com/office/drawing/2014/main" id="{4EE11F94-D59B-48BA-82A9-0A1B0AE9F112}"/>
+              </a:ext>
+            </a:extLst>
+          </p:cNvPr>
+          <p:cNvSpPr>
+            <a:spLocks noGrp="1"/>
+          </p:cNvSpPr>
+          <p:nvPr>
+            <p:ph type="body" sz="half" idx="2"/>
+          </p:nvPr>
+        </p:nvSpPr>
+        <p:spPr>
+          <a:xfrm>
+            <a:off x="838199" y="4888089"/>
+            <a:ext cx="10721623" cy="1591368"/>
+          </a:xfrm>
+        </p:spPr>
+        <p:txBody>
+          <a:bodyPr vert="horz" lIns="91440" tIns="45720" rIns="91440" bIns="45720" rtlCol="0" anchor="t">
+            <a:normAutofit/>
+          </a:bodyPr>
+          <a:lstStyle/>
+          <a:p>
+            <a:r>
+              <a:rPr lang="en-US" altLang="zh-CN" sz="2800" dirty="0">
+                <a:cs typeface="Calibri"/>
+              </a:rPr>
+              <a:t>There is no obvious association shown in the map. </a:t>
+            </a:r>
+          </a:p>
+          <a:p>
+            <a:r>
+              <a:rPr lang="en-US" sz="2800" dirty="0">
+                <a:cs typeface="Calibri"/>
+              </a:rPr>
+              <a:t>The surrounding counties of most counties include both high values and low values</a:t>
+            </a:r>
+          </a:p>
+        </p:txBody>
+      </p:sp>
+      <p:pic>
+        <p:nvPicPr>
+          <p:cNvPr id="3" name="Picture 2">
+            <a:extLst>
+              <a:ext uri="{FF2B5EF4-FFF2-40B4-BE49-F238E27FC236}">
+                <a16:creationId xmlns:a16="http://schemas.microsoft.com/office/drawing/2014/main" id="{B97AF89F-A25B-44B6-88C7-C251E87C0C07}"/>
+              </a:ext>
+            </a:extLst>
+          </p:cNvPr>
+          <p:cNvPicPr>
+            <a:picLocks noChangeAspect="1"/>
+          </p:cNvPicPr>
+          <p:nvPr/>
+        </p:nvPicPr>
+        <p:blipFill>
+          <a:blip r:embed="rId3"/>
+          <a:stretch>
+            <a:fillRect/>
+          </a:stretch>
+        </p:blipFill>
+        <p:spPr>
+          <a:xfrm>
+            <a:off x="5246625" y="2146476"/>
+            <a:ext cx="5876925" cy="2028825"/>
+          </a:xfrm>
+          <a:prstGeom prst="rect">
+            <a:avLst/>
+          </a:prstGeom>
+        </p:spPr>
+      </p:pic>
+      <p:pic>
+        <p:nvPicPr>
+          <p:cNvPr id="7" name="Picture 6" descr="A picture containing map&#10;&#10;Description automatically generated">
+            <a:extLst>
+              <a:ext uri="{FF2B5EF4-FFF2-40B4-BE49-F238E27FC236}">
+                <a16:creationId xmlns:a16="http://schemas.microsoft.com/office/drawing/2014/main" id="{D5761454-07BF-4654-BDBE-E3A78DD94431}"/>
+              </a:ext>
+            </a:extLst>
+          </p:cNvPr>
+          <p:cNvPicPr>
+            <a:picLocks noChangeAspect="1"/>
+          </p:cNvPicPr>
+          <p:nvPr/>
+        </p:nvPicPr>
+        <p:blipFill>
+          <a:blip r:embed="rId4">
+            <a:extLst>
+              <a:ext uri="{28A0092B-C50C-407E-A947-70E740481C1C}">
+                <a14:useLocalDpi xmlns:a14="http://schemas.microsoft.com/office/drawing/2010/main" val="0"/>
+              </a:ext>
+            </a:extLst>
+          </a:blip>
+          <a:stretch>
+            <a:fillRect/>
+          </a:stretch>
+        </p:blipFill>
+        <p:spPr>
+          <a:xfrm>
+            <a:off x="363954" y="1560889"/>
+            <a:ext cx="4803648" cy="2944368"/>
+          </a:xfrm>
+          <a:prstGeom prst="rect">
+            <a:avLst/>
+          </a:prstGeom>
+        </p:spPr>
+      </p:pic>
+    </p:spTree>
+    <p:extLst>
+      <p:ext uri="{BB962C8B-B14F-4D97-AF65-F5344CB8AC3E}">
+        <p14:creationId xmlns:p14="http://schemas.microsoft.com/office/powerpoint/2010/main" val="1830599383"/>
       </p:ext>
     </p:extLst>
   </p:cSld>
@@ -6773,12 +8164,21 @@
 </file>
 
 <file path=customXml/item1.xml><?xml version="1.0" encoding="utf-8"?>
+<?mso-contentType ?>
+<FormTemplates xmlns="http://schemas.microsoft.com/sharepoint/v3/contenttype/forms">
+  <Display>DocumentLibraryForm</Display>
+  <Edit>DocumentLibraryForm</Edit>
+  <New>DocumentLibraryForm</New>
+</FormTemplates>
+</file>
+
+<file path=customXml/item2.xml><?xml version="1.0" encoding="utf-8"?>
 <p:properties xmlns:p="http://schemas.microsoft.com/office/2006/metadata/properties" xmlns:xsi="http://www.w3.org/2001/XMLSchema-instance" xmlns:pc="http://schemas.microsoft.com/office/infopath/2007/PartnerControls">
   <documentManagement/>
 </p:properties>
 </file>
 
-<file path=customXml/item2.xml><?xml version="1.0" encoding="utf-8"?>
+<file path=customXml/item3.xml><?xml version="1.0" encoding="utf-8"?>
 <ct:contentTypeSchema xmlns:ct="http://schemas.microsoft.com/office/2006/metadata/contentType" xmlns:ma="http://schemas.microsoft.com/office/2006/metadata/properties/metaAttributes" ct:_="" ma:_="" ma:contentTypeName="Document" ma:contentTypeID="0x010100DCF79C5796A7E245A78D6D995BC5A3D9" ma:contentTypeVersion="11" ma:contentTypeDescription="Create a new document." ma:contentTypeScope="" ma:versionID="cf631c0af13a8c3e8ade2a08be478efd">
   <xsd:schema xmlns:xsd="http://www.w3.org/2001/XMLSchema" xmlns:xs="http://www.w3.org/2001/XMLSchema" xmlns:p="http://schemas.microsoft.com/office/2006/metadata/properties" xmlns:ns3="02f1c872-1a05-4968-a32e-1afc686dc907" xmlns:ns4="345ab639-1b23-467f-8c10-9ab9f1e3252c" targetNamespace="http://schemas.microsoft.com/office/2006/metadata/properties" ma:root="true" ma:fieldsID="5a9952372fa89d20c9d3322eb84c3639" ns3:_="" ns4:_="">
     <xsd:import namespace="02f1c872-1a05-4968-a32e-1afc686dc907"/>
@@ -6989,16 +8389,15 @@
 </ct:contentTypeSchema>
 </file>
 
-<file path=customXml/item3.xml><?xml version="1.0" encoding="utf-8"?>
-<?mso-contentType ?>
-<FormTemplates xmlns="http://schemas.microsoft.com/sharepoint/v3/contenttype/forms">
-  <Display>DocumentLibraryForm</Display>
-  <Edit>DocumentLibraryForm</Edit>
-  <New>DocumentLibraryForm</New>
-</FormTemplates>
+<file path=customXml/itemProps1.xml><?xml version="1.0" encoding="utf-8"?>
+<ds:datastoreItem xmlns:ds="http://schemas.openxmlformats.org/officeDocument/2006/customXml" ds:itemID="{5D3312CF-FCB4-4310-96F4-EA43C6DB194C}">
+  <ds:schemaRefs>
+    <ds:schemaRef ds:uri="http://schemas.microsoft.com/sharepoint/v3/contenttype/forms"/>
+  </ds:schemaRefs>
+</ds:datastoreItem>
 </file>
 
-<file path=customXml/itemProps1.xml><?xml version="1.0" encoding="utf-8"?>
+<file path=customXml/itemProps2.xml><?xml version="1.0" encoding="utf-8"?>
 <ds:datastoreItem xmlns:ds="http://schemas.openxmlformats.org/officeDocument/2006/customXml" ds:itemID="{E0B1BEB6-0D99-4A6A-9770-EA4159C25FEB}">
   <ds:schemaRefs>
     <ds:schemaRef ds:uri="02f1c872-1a05-4968-a32e-1afc686dc907"/>
@@ -7015,7 +8414,7 @@
 </ds:datastoreItem>
 </file>
 
-<file path=customXml/itemProps2.xml><?xml version="1.0" encoding="utf-8"?>
+<file path=customXml/itemProps3.xml><?xml version="1.0" encoding="utf-8"?>
 <ds:datastoreItem xmlns:ds="http://schemas.openxmlformats.org/officeDocument/2006/customXml" ds:itemID="{B0450293-209D-43D2-A9C4-304D618AD3F6}">
   <ds:schemaRefs>
     <ds:schemaRef ds:uri="02f1c872-1a05-4968-a32e-1afc686dc907"/>
@@ -7032,12 +8431,4 @@
     <ds:schemaRef ds:uri="http://www.w3.org/2001/XMLSchema"/>
   </ds:schemaRefs>
 </ds:datastoreItem>
-</file>
-
-<file path=customXml/itemProps3.xml><?xml version="1.0" encoding="utf-8"?>
-<ds:datastoreItem xmlns:ds="http://schemas.openxmlformats.org/officeDocument/2006/customXml" ds:itemID="{5D3312CF-FCB4-4310-96F4-EA43C6DB194C}">
-  <ds:schemaRefs>
-    <ds:schemaRef ds:uri="http://schemas.microsoft.com/sharepoint/v3/contenttype/forms"/>
-  </ds:schemaRefs>
-</ds:datastoreItem>
 </file>
--- a/irb/Documents/Instructions - ScreenShots.pptx
+++ b/irb/Documents/Instructions - ScreenShots.pptx
@@ -1600,7 +1600,7 @@
           <a:p>
             <a:fld id="{D83F828B-538D-44FA-9A96-F3C6D6FF69F4}" type="datetimeFigureOut">
               <a:rPr lang="en-US" smtClean="0"/>
-              <a:t>2/1/2022</a:t>
+              <a:t>2/3/2022</a:t>
             </a:fld>
             <a:endParaRPr lang="en-US"/>
           </a:p>
@@ -2542,7 +2542,7 @@
           <a:p>
             <a:fld id="{31EE8B0B-402A-46C1-B9C5-D98F384C91E7}" type="datetimeFigureOut">
               <a:rPr lang="en-US" smtClean="0"/>
-              <a:t>2/1/2022</a:t>
+              <a:t>2/3/2022</a:t>
             </a:fld>
             <a:endParaRPr lang="en-US"/>
           </a:p>
@@ -2740,7 +2740,7 @@
           <a:p>
             <a:fld id="{31EE8B0B-402A-46C1-B9C5-D98F384C91E7}" type="datetimeFigureOut">
               <a:rPr lang="en-US" smtClean="0"/>
-              <a:t>2/1/2022</a:t>
+              <a:t>2/3/2022</a:t>
             </a:fld>
             <a:endParaRPr lang="en-US"/>
           </a:p>
@@ -2948,7 +2948,7 @@
           <a:p>
             <a:fld id="{31EE8B0B-402A-46C1-B9C5-D98F384C91E7}" type="datetimeFigureOut">
               <a:rPr lang="en-US" smtClean="0"/>
-              <a:t>2/1/2022</a:t>
+              <a:t>2/3/2022</a:t>
             </a:fld>
             <a:endParaRPr lang="en-US"/>
           </a:p>
@@ -3146,7 +3146,7 @@
           <a:p>
             <a:fld id="{31EE8B0B-402A-46C1-B9C5-D98F384C91E7}" type="datetimeFigureOut">
               <a:rPr lang="en-US" smtClean="0"/>
-              <a:t>2/1/2022</a:t>
+              <a:t>2/3/2022</a:t>
             </a:fld>
             <a:endParaRPr lang="en-US"/>
           </a:p>
@@ -3421,7 +3421,7 @@
           <a:p>
             <a:fld id="{31EE8B0B-402A-46C1-B9C5-D98F384C91E7}" type="datetimeFigureOut">
               <a:rPr lang="en-US" smtClean="0"/>
-              <a:t>2/1/2022</a:t>
+              <a:t>2/3/2022</a:t>
             </a:fld>
             <a:endParaRPr lang="en-US"/>
           </a:p>
@@ -3686,7 +3686,7 @@
           <a:p>
             <a:fld id="{31EE8B0B-402A-46C1-B9C5-D98F384C91E7}" type="datetimeFigureOut">
               <a:rPr lang="en-US" smtClean="0"/>
-              <a:t>2/1/2022</a:t>
+              <a:t>2/3/2022</a:t>
             </a:fld>
             <a:endParaRPr lang="en-US"/>
           </a:p>
@@ -4098,7 +4098,7 @@
           <a:p>
             <a:fld id="{31EE8B0B-402A-46C1-B9C5-D98F384C91E7}" type="datetimeFigureOut">
               <a:rPr lang="en-US" smtClean="0"/>
-              <a:t>2/1/2022</a:t>
+              <a:t>2/3/2022</a:t>
             </a:fld>
             <a:endParaRPr lang="en-US"/>
           </a:p>
@@ -4239,7 +4239,7 @@
           <a:p>
             <a:fld id="{31EE8B0B-402A-46C1-B9C5-D98F384C91E7}" type="datetimeFigureOut">
               <a:rPr lang="en-US" smtClean="0"/>
-              <a:t>2/1/2022</a:t>
+              <a:t>2/3/2022</a:t>
             </a:fld>
             <a:endParaRPr lang="en-US"/>
           </a:p>
@@ -4352,7 +4352,7 @@
           <a:p>
             <a:fld id="{31EE8B0B-402A-46C1-B9C5-D98F384C91E7}" type="datetimeFigureOut">
               <a:rPr lang="en-US" smtClean="0"/>
-              <a:t>2/1/2022</a:t>
+              <a:t>2/3/2022</a:t>
             </a:fld>
             <a:endParaRPr lang="en-US"/>
           </a:p>
@@ -4663,7 +4663,7 @@
           <a:p>
             <a:fld id="{31EE8B0B-402A-46C1-B9C5-D98F384C91E7}" type="datetimeFigureOut">
               <a:rPr lang="en-US" smtClean="0"/>
-              <a:t>2/1/2022</a:t>
+              <a:t>2/3/2022</a:t>
             </a:fld>
             <a:endParaRPr lang="en-US"/>
           </a:p>
@@ -4951,7 +4951,7 @@
           <a:p>
             <a:fld id="{31EE8B0B-402A-46C1-B9C5-D98F384C91E7}" type="datetimeFigureOut">
               <a:rPr lang="en-US" smtClean="0"/>
-              <a:t>2/1/2022</a:t>
+              <a:t>2/3/2022</a:t>
             </a:fld>
             <a:endParaRPr lang="en-US"/>
           </a:p>
@@ -5192,7 +5192,7 @@
           <a:p>
             <a:fld id="{31EE8B0B-402A-46C1-B9C5-D98F384C91E7}" type="datetimeFigureOut">
               <a:rPr lang="en-US" smtClean="0"/>
-              <a:t>2/1/2022</a:t>
+              <a:t>2/3/2022</a:t>
             </a:fld>
             <a:endParaRPr lang="en-US"/>
           </a:p>
@@ -6097,7 +6097,7 @@
               <a:rPr lang="en-US" sz="6600" dirty="0">
                 <a:cs typeface="Calibri"/>
               </a:rPr>
-              <a:t>Informed consent form </a:t>
+              <a:t>Informed consent page</a:t>
             </a:r>
           </a:p>
           <a:p>
@@ -6168,7 +6168,7 @@
               <a:rPr lang="en-US" sz="6900" dirty="0">
                 <a:cs typeface="Calibri"/>
               </a:rPr>
-              <a:t>We will introduce the contents in background information, questions for maps, and completion code in the slides.</a:t>
+              <a:t>We will introduce the contents in background information, questions for maps, and completion code in this instruction.</a:t>
             </a:r>
           </a:p>
         </p:txBody>
@@ -6278,79 +6278,105 @@
           </a:bodyPr>
           <a:lstStyle/>
           <a:p>
-            <a:pPr marL="228600" indent="-228600">
-              <a:buFont typeface="Arial" panose="020B0604020202020204" pitchFamily="34" charset="0"/>
-              <a:buChar char="•"/>
-            </a:pPr>
             <a:r>
               <a:rPr lang="en-US" sz="2800" dirty="0">
                 <a:cs typeface="Calibri"/>
               </a:rPr>
-              <a:t>The participants will be asked about their background in geography and cartography, which will be used for experiment control purposes.</a:t>
-            </a:r>
-          </a:p>
-          <a:p>
-            <a:pPr marL="228600" indent="-228600">
-              <a:buFont typeface="Arial" panose="020B0604020202020204" pitchFamily="34" charset="0"/>
-              <a:buChar char="•"/>
-            </a:pPr>
-            <a:r>
-              <a:rPr lang="en-US" sz="2800" dirty="0">
-                <a:cs typeface="Calibri"/>
-              </a:rPr>
-              <a:t>There are three questions in this section:</a:t>
-            </a:r>
-          </a:p>
-          <a:p>
-            <a:pPr marL="685800" lvl="1" indent="-228600">
-              <a:buFont typeface="Arial" panose="020B0604020202020204" pitchFamily="34" charset="0"/>
-              <a:buChar char="•"/>
-            </a:pPr>
-            <a:r>
-              <a:rPr lang="en-US" sz="2600" dirty="0">
-                <a:cs typeface="Calibri"/>
-              </a:rPr>
-              <a:t>Have you taken a class in Department of Geography?</a:t>
-            </a:r>
-          </a:p>
-          <a:p>
-            <a:pPr marL="685800" lvl="1" indent="-228600">
-              <a:buFont typeface="Arial" panose="020B0604020202020204" pitchFamily="34" charset="0"/>
-              <a:buChar char="•"/>
-            </a:pPr>
-            <a:r>
-              <a:rPr lang="en-US" sz="2600" dirty="0">
-                <a:cs typeface="Calibri"/>
-              </a:rPr>
-              <a:t>Have you taken a cartography related class?</a:t>
-            </a:r>
-          </a:p>
-          <a:p>
-            <a:pPr marL="685800" lvl="1" indent="-228600">
-              <a:buFont typeface="Arial" panose="020B0604020202020204" pitchFamily="34" charset="0"/>
-              <a:buChar char="•"/>
-            </a:pPr>
-            <a:r>
-              <a:rPr lang="en-US" sz="2600" dirty="0">
-                <a:cs typeface="Calibri"/>
-              </a:rPr>
-              <a:t>Is this survey your class assignment from either </a:t>
-            </a:r>
-            <a:r>
-              <a:rPr lang="en-US" sz="2600" dirty="0" err="1">
-                <a:cs typeface="Calibri"/>
-              </a:rPr>
-              <a:t>GeoVisualization</a:t>
-            </a:r>
-            <a:r>
-              <a:rPr lang="en-US" sz="2600" dirty="0">
-                <a:cs typeface="Calibri"/>
-              </a:rPr>
-              <a:t> (GEOG 5201) or Design and Implementation of GIS (GEOG 5223)? </a:t>
-            </a:r>
-          </a:p>
-        </p:txBody>
-      </p:sp>
+              <a:t>The participants will be asked three questions about their educational background in geography and cartography and about whether the survey is a class assignment.</a:t>
+            </a:r>
+          </a:p>
+        </p:txBody>
+      </p:sp>
+      <p:pic>
+        <p:nvPicPr>
+          <p:cNvPr id="11" name="Picture 10">
+            <a:extLst>
+              <a:ext uri="{FF2B5EF4-FFF2-40B4-BE49-F238E27FC236}">
+                <a16:creationId xmlns:a16="http://schemas.microsoft.com/office/drawing/2014/main" id="{98D7FDD4-9041-4559-8360-028178790D17}"/>
+              </a:ext>
+            </a:extLst>
+          </p:cNvPr>
+          <p:cNvPicPr>
+            <a:picLocks noChangeAspect="1"/>
+          </p:cNvPicPr>
+          <p:nvPr/>
+        </p:nvPicPr>
+        <p:blipFill>
+          <a:blip r:embed="rId2"/>
+          <a:stretch>
+            <a:fillRect/>
+          </a:stretch>
+        </p:blipFill>
+        <p:spPr>
+          <a:xfrm>
+            <a:off x="6427779" y="2728789"/>
+            <a:ext cx="3418414" cy="2043926"/>
+          </a:xfrm>
+          <a:prstGeom prst="rect">
+            <a:avLst/>
+          </a:prstGeom>
+        </p:spPr>
+      </p:pic>
+      <p:pic>
+        <p:nvPicPr>
+          <p:cNvPr id="13" name="Picture 12">
+            <a:extLst>
+              <a:ext uri="{FF2B5EF4-FFF2-40B4-BE49-F238E27FC236}">
+                <a16:creationId xmlns:a16="http://schemas.microsoft.com/office/drawing/2014/main" id="{8513DAC5-4349-46AD-BC5B-25715EE52ACF}"/>
+              </a:ext>
+            </a:extLst>
+          </p:cNvPr>
+          <p:cNvPicPr>
+            <a:picLocks noChangeAspect="1"/>
+          </p:cNvPicPr>
+          <p:nvPr/>
+        </p:nvPicPr>
+        <p:blipFill>
+          <a:blip r:embed="rId3"/>
+          <a:stretch>
+            <a:fillRect/>
+          </a:stretch>
+        </p:blipFill>
+        <p:spPr>
+          <a:xfrm>
+            <a:off x="2797213" y="4869692"/>
+            <a:ext cx="6597570" cy="1988308"/>
+          </a:xfrm>
+          <a:prstGeom prst="rect">
+            <a:avLst/>
+          </a:prstGeom>
+        </p:spPr>
+      </p:pic>
+      <p:pic>
+        <p:nvPicPr>
+          <p:cNvPr id="16" name="Picture 15">
+            <a:extLst>
+              <a:ext uri="{FF2B5EF4-FFF2-40B4-BE49-F238E27FC236}">
+                <a16:creationId xmlns:a16="http://schemas.microsoft.com/office/drawing/2014/main" id="{6F7D3AB8-BB24-4D36-A59A-CF5278A47AF9}"/>
+              </a:ext>
+            </a:extLst>
+          </p:cNvPr>
+          <p:cNvPicPr>
+            <a:picLocks noChangeAspect="1"/>
+          </p:cNvPicPr>
+          <p:nvPr/>
+        </p:nvPicPr>
+        <p:blipFill>
+          <a:blip r:embed="rId4"/>
+          <a:stretch>
+            <a:fillRect/>
+          </a:stretch>
+        </p:blipFill>
+        <p:spPr>
+          <a:xfrm>
+            <a:off x="2379615" y="2728789"/>
+            <a:ext cx="4048164" cy="2043926"/>
+          </a:xfrm>
+          <a:prstGeom prst="rect">
+            <a:avLst/>
+          </a:prstGeom>
+        </p:spPr>
+      </p:pic>
     </p:spTree>
     <p:extLst>
       <p:ext uri="{BB962C8B-B14F-4D97-AF65-F5344CB8AC3E}">
@@ -8164,18 +8190,18 @@
 </file>
 
 <file path=customXml/item1.xml><?xml version="1.0" encoding="utf-8"?>
+<p:properties xmlns:p="http://schemas.microsoft.com/office/2006/metadata/properties" xmlns:xsi="http://www.w3.org/2001/XMLSchema-instance" xmlns:pc="http://schemas.microsoft.com/office/infopath/2007/PartnerControls">
+  <documentManagement/>
+</p:properties>
+</file>
+
+<file path=customXml/item2.xml><?xml version="1.0" encoding="utf-8"?>
 <?mso-contentType ?>
 <FormTemplates xmlns="http://schemas.microsoft.com/sharepoint/v3/contenttype/forms">
   <Display>DocumentLibraryForm</Display>
   <Edit>DocumentLibraryForm</Edit>
   <New>DocumentLibraryForm</New>
 </FormTemplates>
-</file>
-
-<file path=customXml/item2.xml><?xml version="1.0" encoding="utf-8"?>
-<p:properties xmlns:p="http://schemas.microsoft.com/office/2006/metadata/properties" xmlns:xsi="http://www.w3.org/2001/XMLSchema-instance" xmlns:pc="http://schemas.microsoft.com/office/infopath/2007/PartnerControls">
-  <documentManagement/>
-</p:properties>
 </file>
 
 <file path=customXml/item3.xml><?xml version="1.0" encoding="utf-8"?>
@@ -8390,26 +8416,26 @@
 </file>
 
 <file path=customXml/itemProps1.xml><?xml version="1.0" encoding="utf-8"?>
-<ds:datastoreItem xmlns:ds="http://schemas.openxmlformats.org/officeDocument/2006/customXml" ds:itemID="{5D3312CF-FCB4-4310-96F4-EA43C6DB194C}">
+<ds:datastoreItem xmlns:ds="http://schemas.openxmlformats.org/officeDocument/2006/customXml" ds:itemID="{E0B1BEB6-0D99-4A6A-9770-EA4159C25FEB}">
   <ds:schemaRefs>
-    <ds:schemaRef ds:uri="http://schemas.microsoft.com/sharepoint/v3/contenttype/forms"/>
+    <ds:schemaRef ds:uri="http://purl.org/dc/dcmitype/"/>
+    <ds:schemaRef ds:uri="345ab639-1b23-467f-8c10-9ab9f1e3252c"/>
+    <ds:schemaRef ds:uri="http://schemas.microsoft.com/office/2006/metadata/properties"/>
+    <ds:schemaRef ds:uri="http://purl.org/dc/elements/1.1/"/>
+    <ds:schemaRef ds:uri="http://schemas.microsoft.com/office/2006/documentManagement/types"/>
+    <ds:schemaRef ds:uri="http://schemas.microsoft.com/office/infopath/2007/PartnerControls"/>
+    <ds:schemaRef ds:uri="http://schemas.openxmlformats.org/package/2006/metadata/core-properties"/>
+    <ds:schemaRef ds:uri="02f1c872-1a05-4968-a32e-1afc686dc907"/>
+    <ds:schemaRef ds:uri="http://www.w3.org/XML/1998/namespace"/>
+    <ds:schemaRef ds:uri="http://purl.org/dc/terms/"/>
   </ds:schemaRefs>
 </ds:datastoreItem>
 </file>
 
 <file path=customXml/itemProps2.xml><?xml version="1.0" encoding="utf-8"?>
-<ds:datastoreItem xmlns:ds="http://schemas.openxmlformats.org/officeDocument/2006/customXml" ds:itemID="{E0B1BEB6-0D99-4A6A-9770-EA4159C25FEB}">
+<ds:datastoreItem xmlns:ds="http://schemas.openxmlformats.org/officeDocument/2006/customXml" ds:itemID="{5D3312CF-FCB4-4310-96F4-EA43C6DB194C}">
   <ds:schemaRefs>
-    <ds:schemaRef ds:uri="02f1c872-1a05-4968-a32e-1afc686dc907"/>
-    <ds:schemaRef ds:uri="345ab639-1b23-467f-8c10-9ab9f1e3252c"/>
-    <ds:schemaRef ds:uri="http://purl.org/dc/dcmitype/"/>
-    <ds:schemaRef ds:uri="http://purl.org/dc/elements/1.1/"/>
-    <ds:schemaRef ds:uri="http://purl.org/dc/terms/"/>
-    <ds:schemaRef ds:uri="http://schemas.microsoft.com/office/2006/documentManagement/types"/>
-    <ds:schemaRef ds:uri="http://schemas.microsoft.com/office/2006/metadata/properties"/>
-    <ds:schemaRef ds:uri="http://schemas.microsoft.com/office/infopath/2007/PartnerControls"/>
-    <ds:schemaRef ds:uri="http://schemas.openxmlformats.org/package/2006/metadata/core-properties"/>
-    <ds:schemaRef ds:uri="http://www.w3.org/XML/1998/namespace"/>
+    <ds:schemaRef ds:uri="http://schemas.microsoft.com/sharepoint/v3/contenttype/forms"/>
   </ds:schemaRefs>
 </ds:datastoreItem>
 </file>

--- a/irb/Documents/Instructions - ScreenShots.pptx
+++ b/irb/Documents/Instructions - ScreenShots.pptx
@@ -5,19 +5,20 @@
     <p:sldMasterId id="2147483648" r:id="rId4"/>
   </p:sldMasterIdLst>
   <p:notesMasterIdLst>
-    <p:notesMasterId r:id="rId15"/>
+    <p:notesMasterId r:id="rId16"/>
   </p:notesMasterIdLst>
   <p:sldIdLst>
     <p:sldId id="256" r:id="rId5"/>
     <p:sldId id="293" r:id="rId6"/>
-    <p:sldId id="266" r:id="rId7"/>
-    <p:sldId id="294" r:id="rId8"/>
-    <p:sldId id="296" r:id="rId9"/>
-    <p:sldId id="298" r:id="rId10"/>
-    <p:sldId id="299" r:id="rId11"/>
-    <p:sldId id="300" r:id="rId12"/>
-    <p:sldId id="301" r:id="rId13"/>
-    <p:sldId id="295" r:id="rId14"/>
+    <p:sldId id="302" r:id="rId7"/>
+    <p:sldId id="266" r:id="rId8"/>
+    <p:sldId id="305" r:id="rId9"/>
+    <p:sldId id="296" r:id="rId10"/>
+    <p:sldId id="298" r:id="rId11"/>
+    <p:sldId id="299" r:id="rId12"/>
+    <p:sldId id="300" r:id="rId13"/>
+    <p:sldId id="301" r:id="rId14"/>
+    <p:sldId id="295" r:id="rId15"/>
   </p:sldIdLst>
   <p:sldSz cx="12192000" cy="6858000"/>
   <p:notesSz cx="6858000" cy="9144000"/>
@@ -1600,7 +1601,7 @@
           <a:p>
             <a:fld id="{D83F828B-538D-44FA-9A96-F3C6D6FF69F4}" type="datetimeFigureOut">
               <a:rPr lang="en-US" smtClean="0"/>
-              <a:t>2/1/2022</a:t>
+              <a:t>2/4/2022</a:t>
             </a:fld>
             <a:endParaRPr lang="en-US"/>
           </a:p>
@@ -1936,7 +1937,7 @@
           <a:p>
             <a:fld id="{726A4DCF-78F5-4808-8656-EBC0A1F3A42E}" type="slidenum">
               <a:rPr lang="en-US" smtClean="0"/>
-              <a:t>4</a:t>
+              <a:t>6</a:t>
             </a:fld>
             <a:endParaRPr lang="en-US"/>
           </a:p>
@@ -1945,7 +1946,7 @@
     </p:spTree>
     <p:extLst>
       <p:ext uri="{BB962C8B-B14F-4D97-AF65-F5344CB8AC3E}">
-        <p14:creationId xmlns:p14="http://schemas.microsoft.com/office/powerpoint/2010/main" val="3205579092"/>
+        <p14:creationId xmlns:p14="http://schemas.microsoft.com/office/powerpoint/2010/main" val="3960338515"/>
       </p:ext>
     </p:extLst>
   </p:cSld>
@@ -2024,7 +2025,7 @@
           <a:p>
             <a:fld id="{726A4DCF-78F5-4808-8656-EBC0A1F3A42E}" type="slidenum">
               <a:rPr lang="en-US" smtClean="0"/>
-              <a:t>5</a:t>
+              <a:t>7</a:t>
             </a:fld>
             <a:endParaRPr lang="en-US"/>
           </a:p>
@@ -2033,7 +2034,7 @@
     </p:spTree>
     <p:extLst>
       <p:ext uri="{BB962C8B-B14F-4D97-AF65-F5344CB8AC3E}">
-        <p14:creationId xmlns:p14="http://schemas.microsoft.com/office/powerpoint/2010/main" val="3960338515"/>
+        <p14:creationId xmlns:p14="http://schemas.microsoft.com/office/powerpoint/2010/main" val="3819671456"/>
       </p:ext>
     </p:extLst>
   </p:cSld>
@@ -2112,7 +2113,7 @@
           <a:p>
             <a:fld id="{726A4DCF-78F5-4808-8656-EBC0A1F3A42E}" type="slidenum">
               <a:rPr lang="en-US" smtClean="0"/>
-              <a:t>6</a:t>
+              <a:t>8</a:t>
             </a:fld>
             <a:endParaRPr lang="en-US"/>
           </a:p>
@@ -2121,7 +2122,7 @@
     </p:spTree>
     <p:extLst>
       <p:ext uri="{BB962C8B-B14F-4D97-AF65-F5344CB8AC3E}">
-        <p14:creationId xmlns:p14="http://schemas.microsoft.com/office/powerpoint/2010/main" val="3819671456"/>
+        <p14:creationId xmlns:p14="http://schemas.microsoft.com/office/powerpoint/2010/main" val="4160173148"/>
       </p:ext>
     </p:extLst>
   </p:cSld>
@@ -2200,7 +2201,7 @@
           <a:p>
             <a:fld id="{726A4DCF-78F5-4808-8656-EBC0A1F3A42E}" type="slidenum">
               <a:rPr lang="en-US" smtClean="0"/>
-              <a:t>7</a:t>
+              <a:t>9</a:t>
             </a:fld>
             <a:endParaRPr lang="en-US"/>
           </a:p>
@@ -2209,7 +2210,7 @@
     </p:spTree>
     <p:extLst>
       <p:ext uri="{BB962C8B-B14F-4D97-AF65-F5344CB8AC3E}">
-        <p14:creationId xmlns:p14="http://schemas.microsoft.com/office/powerpoint/2010/main" val="4160173148"/>
+        <p14:creationId xmlns:p14="http://schemas.microsoft.com/office/powerpoint/2010/main" val="3172252832"/>
       </p:ext>
     </p:extLst>
   </p:cSld>
@@ -2288,95 +2289,7 @@
           <a:p>
             <a:fld id="{726A4DCF-78F5-4808-8656-EBC0A1F3A42E}" type="slidenum">
               <a:rPr lang="en-US" smtClean="0"/>
-              <a:t>8</a:t>
-            </a:fld>
-            <a:endParaRPr lang="en-US"/>
-          </a:p>
-        </p:txBody>
-      </p:sp>
-    </p:spTree>
-    <p:extLst>
-      <p:ext uri="{BB962C8B-B14F-4D97-AF65-F5344CB8AC3E}">
-        <p14:creationId xmlns:p14="http://schemas.microsoft.com/office/powerpoint/2010/main" val="3172252832"/>
-      </p:ext>
-    </p:extLst>
-  </p:cSld>
-  <p:clrMapOvr>
-    <a:masterClrMapping/>
-  </p:clrMapOvr>
-</p:notes>
-</file>
-
-<file path=ppt/notesSlides/notesSlide6.xml><?xml version="1.0" encoding="utf-8"?>
-<p:notes xmlns:a="http://schemas.openxmlformats.org/drawingml/2006/main" xmlns:r="http://schemas.openxmlformats.org/officeDocument/2006/relationships" xmlns:p="http://schemas.openxmlformats.org/presentationml/2006/main">
-  <p:cSld>
-    <p:spTree>
-      <p:nvGrpSpPr>
-        <p:cNvPr id="1" name=""/>
-        <p:cNvGrpSpPr/>
-        <p:nvPr/>
-      </p:nvGrpSpPr>
-      <p:grpSpPr>
-        <a:xfrm>
-          <a:off x="0" y="0"/>
-          <a:ext cx="0" cy="0"/>
-          <a:chOff x="0" y="0"/>
-          <a:chExt cx="0" cy="0"/>
-        </a:xfrm>
-      </p:grpSpPr>
-      <p:sp>
-        <p:nvSpPr>
-          <p:cNvPr id="2" name="Slide Image Placeholder 1"/>
-          <p:cNvSpPr>
-            <a:spLocks noGrp="1" noRot="1" noChangeAspect="1"/>
-          </p:cNvSpPr>
-          <p:nvPr>
-            <p:ph type="sldImg"/>
-          </p:nvPr>
-        </p:nvSpPr>
-        <p:spPr/>
-      </p:sp>
-      <p:sp>
-        <p:nvSpPr>
-          <p:cNvPr id="3" name="Notes Placeholder 2"/>
-          <p:cNvSpPr>
-            <a:spLocks noGrp="1"/>
-          </p:cNvSpPr>
-          <p:nvPr>
-            <p:ph type="body" idx="1"/>
-          </p:nvPr>
-        </p:nvSpPr>
-        <p:spPr/>
-        <p:txBody>
-          <a:bodyPr/>
-          <a:lstStyle/>
-          <a:p>
-            <a:r>
-              <a:rPr lang="en-US" altLang="zh-CN" dirty="0"/>
-              <a:t>Five map examples</a:t>
-            </a:r>
-            <a:endParaRPr lang="en-US" dirty="0"/>
-          </a:p>
-        </p:txBody>
-      </p:sp>
-      <p:sp>
-        <p:nvSpPr>
-          <p:cNvPr id="4" name="Slide Number Placeholder 3"/>
-          <p:cNvSpPr>
-            <a:spLocks noGrp="1"/>
-          </p:cNvSpPr>
-          <p:nvPr>
-            <p:ph type="sldNum" sz="quarter" idx="5"/>
-          </p:nvPr>
-        </p:nvSpPr>
-        <p:spPr/>
-        <p:txBody>
-          <a:bodyPr/>
-          <a:lstStyle/>
-          <a:p>
-            <a:fld id="{726A4DCF-78F5-4808-8656-EBC0A1F3A42E}" type="slidenum">
-              <a:rPr lang="en-US" smtClean="0"/>
-              <a:t>9</a:t>
+              <a:t>10</a:t>
             </a:fld>
             <a:endParaRPr lang="en-US"/>
           </a:p>
@@ -2542,7 +2455,7 @@
           <a:p>
             <a:fld id="{31EE8B0B-402A-46C1-B9C5-D98F384C91E7}" type="datetimeFigureOut">
               <a:rPr lang="en-US" smtClean="0"/>
-              <a:t>2/1/2022</a:t>
+              <a:t>2/4/2022</a:t>
             </a:fld>
             <a:endParaRPr lang="en-US"/>
           </a:p>
@@ -2740,7 +2653,7 @@
           <a:p>
             <a:fld id="{31EE8B0B-402A-46C1-B9C5-D98F384C91E7}" type="datetimeFigureOut">
               <a:rPr lang="en-US" smtClean="0"/>
-              <a:t>2/1/2022</a:t>
+              <a:t>2/4/2022</a:t>
             </a:fld>
             <a:endParaRPr lang="en-US"/>
           </a:p>
@@ -2948,7 +2861,7 @@
           <a:p>
             <a:fld id="{31EE8B0B-402A-46C1-B9C5-D98F384C91E7}" type="datetimeFigureOut">
               <a:rPr lang="en-US" smtClean="0"/>
-              <a:t>2/1/2022</a:t>
+              <a:t>2/4/2022</a:t>
             </a:fld>
             <a:endParaRPr lang="en-US"/>
           </a:p>
@@ -3146,7 +3059,7 @@
           <a:p>
             <a:fld id="{31EE8B0B-402A-46C1-B9C5-D98F384C91E7}" type="datetimeFigureOut">
               <a:rPr lang="en-US" smtClean="0"/>
-              <a:t>2/1/2022</a:t>
+              <a:t>2/4/2022</a:t>
             </a:fld>
             <a:endParaRPr lang="en-US"/>
           </a:p>
@@ -3421,7 +3334,7 @@
           <a:p>
             <a:fld id="{31EE8B0B-402A-46C1-B9C5-D98F384C91E7}" type="datetimeFigureOut">
               <a:rPr lang="en-US" smtClean="0"/>
-              <a:t>2/1/2022</a:t>
+              <a:t>2/4/2022</a:t>
             </a:fld>
             <a:endParaRPr lang="en-US"/>
           </a:p>
@@ -3686,7 +3599,7 @@
           <a:p>
             <a:fld id="{31EE8B0B-402A-46C1-B9C5-D98F384C91E7}" type="datetimeFigureOut">
               <a:rPr lang="en-US" smtClean="0"/>
-              <a:t>2/1/2022</a:t>
+              <a:t>2/4/2022</a:t>
             </a:fld>
             <a:endParaRPr lang="en-US"/>
           </a:p>
@@ -4098,7 +4011,7 @@
           <a:p>
             <a:fld id="{31EE8B0B-402A-46C1-B9C5-D98F384C91E7}" type="datetimeFigureOut">
               <a:rPr lang="en-US" smtClean="0"/>
-              <a:t>2/1/2022</a:t>
+              <a:t>2/4/2022</a:t>
             </a:fld>
             <a:endParaRPr lang="en-US"/>
           </a:p>
@@ -4239,7 +4152,7 @@
           <a:p>
             <a:fld id="{31EE8B0B-402A-46C1-B9C5-D98F384C91E7}" type="datetimeFigureOut">
               <a:rPr lang="en-US" smtClean="0"/>
-              <a:t>2/1/2022</a:t>
+              <a:t>2/4/2022</a:t>
             </a:fld>
             <a:endParaRPr lang="en-US"/>
           </a:p>
@@ -4352,7 +4265,7 @@
           <a:p>
             <a:fld id="{31EE8B0B-402A-46C1-B9C5-D98F384C91E7}" type="datetimeFigureOut">
               <a:rPr lang="en-US" smtClean="0"/>
-              <a:t>2/1/2022</a:t>
+              <a:t>2/4/2022</a:t>
             </a:fld>
             <a:endParaRPr lang="en-US"/>
           </a:p>
@@ -4663,7 +4576,7 @@
           <a:p>
             <a:fld id="{31EE8B0B-402A-46C1-B9C5-D98F384C91E7}" type="datetimeFigureOut">
               <a:rPr lang="en-US" smtClean="0"/>
-              <a:t>2/1/2022</a:t>
+              <a:t>2/4/2022</a:t>
             </a:fld>
             <a:endParaRPr lang="en-US"/>
           </a:p>
@@ -4951,7 +4864,7 @@
           <a:p>
             <a:fld id="{31EE8B0B-402A-46C1-B9C5-D98F384C91E7}" type="datetimeFigureOut">
               <a:rPr lang="en-US" smtClean="0"/>
-              <a:t>2/1/2022</a:t>
+              <a:t>2/4/2022</a:t>
             </a:fld>
             <a:endParaRPr lang="en-US"/>
           </a:p>
@@ -5192,7 +5105,7 @@
           <a:p>
             <a:fld id="{31EE8B0B-402A-46C1-B9C5-D98F384C91E7}" type="datetimeFigureOut">
               <a:rPr lang="en-US" smtClean="0"/>
-              <a:t>2/1/2022</a:t>
+              <a:t>2/4/2022</a:t>
             </a:fld>
             <a:endParaRPr lang="en-US"/>
           </a:p>
@@ -5786,6 +5699,189 @@
           <a:lstStyle/>
           <a:p>
             <a:r>
+              <a:rPr lang="en-US" altLang="zh-CN" sz="4400" dirty="0">
+                <a:latin typeface="+mn-lt"/>
+              </a:rPr>
+              <a:t>Example 5</a:t>
+            </a:r>
+            <a:endParaRPr lang="en-US" sz="4400" kern="1200" dirty="0">
+              <a:latin typeface="+mn-lt"/>
+              <a:ea typeface="+mj-ea"/>
+              <a:cs typeface="+mj-cs"/>
+            </a:endParaRPr>
+          </a:p>
+        </p:txBody>
+      </p:sp>
+      <p:sp>
+        <p:nvSpPr>
+          <p:cNvPr id="10" name="Text Placeholder 9">
+            <a:extLst>
+              <a:ext uri="{FF2B5EF4-FFF2-40B4-BE49-F238E27FC236}">
+                <a16:creationId xmlns:a16="http://schemas.microsoft.com/office/drawing/2014/main" id="{4EE11F94-D59B-48BA-82A9-0A1B0AE9F112}"/>
+              </a:ext>
+            </a:extLst>
+          </p:cNvPr>
+          <p:cNvSpPr>
+            <a:spLocks noGrp="1"/>
+          </p:cNvSpPr>
+          <p:nvPr>
+            <p:ph type="body" sz="half" idx="2"/>
+          </p:nvPr>
+        </p:nvSpPr>
+        <p:spPr>
+          <a:xfrm>
+            <a:off x="838199" y="4888089"/>
+            <a:ext cx="10721623" cy="1591368"/>
+          </a:xfrm>
+        </p:spPr>
+        <p:txBody>
+          <a:bodyPr vert="horz" lIns="91440" tIns="45720" rIns="91440" bIns="45720" rtlCol="0" anchor="t">
+            <a:normAutofit/>
+          </a:bodyPr>
+          <a:lstStyle/>
+          <a:p>
+            <a:r>
+              <a:rPr lang="en-US" altLang="zh-CN" sz="2800" dirty="0">
+                <a:cs typeface="Calibri"/>
+              </a:rPr>
+              <a:t>There is no obvious association shown in the map. </a:t>
+            </a:r>
+          </a:p>
+          <a:p>
+            <a:r>
+              <a:rPr lang="en-US" sz="2800" dirty="0">
+                <a:cs typeface="Calibri"/>
+              </a:rPr>
+              <a:t>The surrounding counties of most counties include both high values and low values</a:t>
+            </a:r>
+          </a:p>
+        </p:txBody>
+      </p:sp>
+      <p:pic>
+        <p:nvPicPr>
+          <p:cNvPr id="3" name="Picture 2">
+            <a:extLst>
+              <a:ext uri="{FF2B5EF4-FFF2-40B4-BE49-F238E27FC236}">
+                <a16:creationId xmlns:a16="http://schemas.microsoft.com/office/drawing/2014/main" id="{B97AF89F-A25B-44B6-88C7-C251E87C0C07}"/>
+              </a:ext>
+            </a:extLst>
+          </p:cNvPr>
+          <p:cNvPicPr>
+            <a:picLocks noChangeAspect="1"/>
+          </p:cNvPicPr>
+          <p:nvPr/>
+        </p:nvPicPr>
+        <p:blipFill>
+          <a:blip r:embed="rId3"/>
+          <a:stretch>
+            <a:fillRect/>
+          </a:stretch>
+        </p:blipFill>
+        <p:spPr>
+          <a:xfrm>
+            <a:off x="5246625" y="2146476"/>
+            <a:ext cx="5876925" cy="2028825"/>
+          </a:xfrm>
+          <a:prstGeom prst="rect">
+            <a:avLst/>
+          </a:prstGeom>
+        </p:spPr>
+      </p:pic>
+      <p:pic>
+        <p:nvPicPr>
+          <p:cNvPr id="7" name="Picture 6" descr="A picture containing map&#10;&#10;Description automatically generated">
+            <a:extLst>
+              <a:ext uri="{FF2B5EF4-FFF2-40B4-BE49-F238E27FC236}">
+                <a16:creationId xmlns:a16="http://schemas.microsoft.com/office/drawing/2014/main" id="{D5761454-07BF-4654-BDBE-E3A78DD94431}"/>
+              </a:ext>
+            </a:extLst>
+          </p:cNvPr>
+          <p:cNvPicPr>
+            <a:picLocks noChangeAspect="1"/>
+          </p:cNvPicPr>
+          <p:nvPr/>
+        </p:nvPicPr>
+        <p:blipFill>
+          <a:blip r:embed="rId4">
+            <a:extLst>
+              <a:ext uri="{28A0092B-C50C-407E-A947-70E740481C1C}">
+                <a14:useLocalDpi xmlns:a14="http://schemas.microsoft.com/office/drawing/2010/main" val="0"/>
+              </a:ext>
+            </a:extLst>
+          </a:blip>
+          <a:stretch>
+            <a:fillRect/>
+          </a:stretch>
+        </p:blipFill>
+        <p:spPr>
+          <a:xfrm>
+            <a:off x="363954" y="1560889"/>
+            <a:ext cx="4803648" cy="2944368"/>
+          </a:xfrm>
+          <a:prstGeom prst="rect">
+            <a:avLst/>
+          </a:prstGeom>
+        </p:spPr>
+      </p:pic>
+    </p:spTree>
+    <p:extLst>
+      <p:ext uri="{BB962C8B-B14F-4D97-AF65-F5344CB8AC3E}">
+        <p14:creationId xmlns:p14="http://schemas.microsoft.com/office/powerpoint/2010/main" val="1830599383"/>
+      </p:ext>
+    </p:extLst>
+  </p:cSld>
+  <p:clrMapOvr>
+    <a:masterClrMapping/>
+  </p:clrMapOvr>
+</p:sld>
+</file>
+
+<file path=ppt/slides/slide11.xml><?xml version="1.0" encoding="utf-8"?>
+<p:sld xmlns:a="http://schemas.openxmlformats.org/drawingml/2006/main" xmlns:r="http://schemas.openxmlformats.org/officeDocument/2006/relationships" xmlns:p="http://schemas.openxmlformats.org/presentationml/2006/main">
+  <p:cSld>
+    <p:spTree>
+      <p:nvGrpSpPr>
+        <p:cNvPr id="1" name=""/>
+        <p:cNvGrpSpPr/>
+        <p:nvPr/>
+      </p:nvGrpSpPr>
+      <p:grpSpPr>
+        <a:xfrm>
+          <a:off x="0" y="0"/>
+          <a:ext cx="0" cy="0"/>
+          <a:chOff x="0" y="0"/>
+          <a:chExt cx="0" cy="0"/>
+        </a:xfrm>
+      </p:grpSpPr>
+      <p:sp>
+        <p:nvSpPr>
+          <p:cNvPr id="6" name="Title 5">
+            <a:extLst>
+              <a:ext uri="{FF2B5EF4-FFF2-40B4-BE49-F238E27FC236}">
+                <a16:creationId xmlns:a16="http://schemas.microsoft.com/office/drawing/2014/main" id="{65C93153-C231-4F63-9041-B7390A7D096F}"/>
+              </a:ext>
+            </a:extLst>
+          </p:cNvPr>
+          <p:cNvSpPr>
+            <a:spLocks noGrp="1"/>
+          </p:cNvSpPr>
+          <p:nvPr>
+            <p:ph type="title"/>
+          </p:nvPr>
+        </p:nvSpPr>
+        <p:spPr>
+          <a:xfrm>
+            <a:off x="838200" y="245370"/>
+            <a:ext cx="10515599" cy="932688"/>
+          </a:xfrm>
+        </p:spPr>
+        <p:txBody>
+          <a:bodyPr vert="horz" lIns="91440" tIns="45720" rIns="91440" bIns="45720" rtlCol="0" anchor="b">
+            <a:normAutofit/>
+          </a:bodyPr>
+          <a:lstStyle/>
+          <a:p>
+            <a:r>
               <a:rPr lang="en-US" sz="4400" kern="1200" dirty="0">
                 <a:latin typeface="+mn-lt"/>
                 <a:ea typeface="+mj-ea"/>
@@ -5815,12 +5911,12 @@
         <p:spPr>
           <a:xfrm>
             <a:off x="838199" y="1335724"/>
-            <a:ext cx="10515599" cy="5143733"/>
+            <a:ext cx="4923623" cy="5143733"/>
           </a:xfrm>
         </p:spPr>
         <p:txBody>
           <a:bodyPr vert="horz" lIns="91440" tIns="45720" rIns="91440" bIns="45720" rtlCol="0" anchor="t">
-            <a:normAutofit/>
+            <a:normAutofit lnSpcReduction="10000"/>
           </a:bodyPr>
           <a:lstStyle/>
           <a:p>
@@ -5912,25 +6008,7 @@
                 </a:solidFill>
                 <a:effectLst/>
               </a:rPr>
-              <a:t>The completion code will be copied and </a:t>
-            </a:r>
-            <a:r>
-              <a:rPr lang="en-US" sz="3200" b="0" dirty="0" err="1">
-                <a:solidFill>
-                  <a:srgbClr val="000000"/>
-                </a:solidFill>
-                <a:effectLst/>
-              </a:rPr>
-              <a:t>submited</a:t>
-            </a:r>
-            <a:r>
-              <a:rPr lang="en-US" sz="3200" b="0" dirty="0">
-                <a:solidFill>
-                  <a:srgbClr val="000000"/>
-                </a:solidFill>
-                <a:effectLst/>
-              </a:rPr>
-              <a:t> in his or her Carmen system, serving as the proof of completion of extra homework.</a:t>
+              <a:t>The completion code will be copied and submitted in his or her Carmen system, serving as the proof to receive bonus credit.</a:t>
             </a:r>
           </a:p>
           <a:p>
@@ -5951,10 +6029,10 @@
       </p:sp>
       <p:pic>
         <p:nvPicPr>
-          <p:cNvPr id="4" name="Picture 3">
-            <a:extLst>
-              <a:ext uri="{FF2B5EF4-FFF2-40B4-BE49-F238E27FC236}">
-                <a16:creationId xmlns:a16="http://schemas.microsoft.com/office/drawing/2014/main" id="{44AD697D-EC22-4923-BBA5-1888A28879B6}"/>
+          <p:cNvPr id="3" name="Picture 2">
+            <a:extLst>
+              <a:ext uri="{FF2B5EF4-FFF2-40B4-BE49-F238E27FC236}">
+                <a16:creationId xmlns:a16="http://schemas.microsoft.com/office/drawing/2014/main" id="{AF4BFE21-636F-4197-809A-9B0F207C066A}"/>
               </a:ext>
             </a:extLst>
           </p:cNvPr>
@@ -5971,8 +6049,8 @@
         </p:blipFill>
         <p:spPr>
           <a:xfrm>
-            <a:off x="1919495" y="4475104"/>
-            <a:ext cx="8588983" cy="1406086"/>
+            <a:off x="6004277" y="1408173"/>
+            <a:ext cx="5956369" cy="4998833"/>
           </a:xfrm>
           <a:prstGeom prst="rect">
             <a:avLst/>
@@ -6058,7 +6136,7 @@
         <p:spPr/>
         <p:txBody>
           <a:bodyPr vert="horz" lIns="91440" tIns="45720" rIns="91440" bIns="45720" rtlCol="0" anchor="t">
-            <a:normAutofit fontScale="40000" lnSpcReduction="20000"/>
+            <a:normAutofit fontScale="32500" lnSpcReduction="20000"/>
           </a:bodyPr>
           <a:lstStyle/>
           <a:p>
@@ -6071,7 +6149,7 @@
               <a:rPr lang="en-US" sz="7000" dirty="0">
                 <a:cs typeface="Calibri"/>
               </a:rPr>
-              <a:t>Slides included here represent an overview of the survey.</a:t>
+              <a:t>Slides included here include screenshots of the online survey and explanations.</a:t>
             </a:r>
           </a:p>
           <a:p>
@@ -6110,7 +6188,7 @@
               <a:rPr lang="en-US" sz="6600" dirty="0">
                 <a:cs typeface="Calibri"/>
               </a:rPr>
-              <a:t>Survey experiment instruction</a:t>
+              <a:t>Instruction</a:t>
             </a:r>
           </a:p>
           <a:p>
@@ -6168,7 +6246,20 @@
               <a:rPr lang="en-US" sz="6900" dirty="0">
                 <a:cs typeface="Calibri"/>
               </a:rPr>
-              <a:t>We will introduce the contents in background information, questions for maps, and completion code in the slides.</a:t>
+              <a:t>This file (the slides) will be used as the instruction material.</a:t>
+            </a:r>
+          </a:p>
+          <a:p>
+            <a:pPr>
+              <a:lnSpc>
+                <a:spcPct val="110000"/>
+              </a:lnSpc>
+            </a:pPr>
+            <a:r>
+              <a:rPr lang="en-US" sz="6900" dirty="0">
+                <a:cs typeface="Calibri"/>
+              </a:rPr>
+              <a:t>In the remaining slides, we will introduce the other sections.</a:t>
             </a:r>
           </a:p>
         </p:txBody>
@@ -6187,6 +6278,141 @@
 </file>
 
 <file path=ppt/slides/slide3.xml><?xml version="1.0" encoding="utf-8"?>
+<p:sld xmlns:a="http://schemas.openxmlformats.org/drawingml/2006/main" xmlns:r="http://schemas.openxmlformats.org/officeDocument/2006/relationships" xmlns:p="http://schemas.openxmlformats.org/presentationml/2006/main">
+  <p:cSld>
+    <p:spTree>
+      <p:nvGrpSpPr>
+        <p:cNvPr id="1" name=""/>
+        <p:cNvGrpSpPr/>
+        <p:nvPr/>
+      </p:nvGrpSpPr>
+      <p:grpSpPr>
+        <a:xfrm>
+          <a:off x="0" y="0"/>
+          <a:ext cx="0" cy="0"/>
+          <a:chOff x="0" y="0"/>
+          <a:chExt cx="0" cy="0"/>
+        </a:xfrm>
+      </p:grpSpPr>
+      <p:sp>
+        <p:nvSpPr>
+          <p:cNvPr id="2" name="Title 1">
+            <a:extLst>
+              <a:ext uri="{FF2B5EF4-FFF2-40B4-BE49-F238E27FC236}">
+                <a16:creationId xmlns:a16="http://schemas.microsoft.com/office/drawing/2014/main" id="{C200C5DC-E4E8-4F24-9542-4BAF4839FB88}"/>
+              </a:ext>
+            </a:extLst>
+          </p:cNvPr>
+          <p:cNvSpPr>
+            <a:spLocks noGrp="1"/>
+          </p:cNvSpPr>
+          <p:nvPr>
+            <p:ph type="title"/>
+          </p:nvPr>
+        </p:nvSpPr>
+        <p:spPr/>
+        <p:txBody>
+          <a:bodyPr/>
+          <a:lstStyle/>
+          <a:p>
+            <a:r>
+              <a:rPr lang="en-US" dirty="0"/>
+              <a:t>Consent form</a:t>
+            </a:r>
+          </a:p>
+        </p:txBody>
+      </p:sp>
+      <p:sp>
+        <p:nvSpPr>
+          <p:cNvPr id="3" name="Content Placeholder 2">
+            <a:extLst>
+              <a:ext uri="{FF2B5EF4-FFF2-40B4-BE49-F238E27FC236}">
+                <a16:creationId xmlns:a16="http://schemas.microsoft.com/office/drawing/2014/main" id="{3589955B-10F7-43FE-AE1B-DC622C8F184B}"/>
+              </a:ext>
+            </a:extLst>
+          </p:cNvPr>
+          <p:cNvSpPr>
+            <a:spLocks noGrp="1"/>
+          </p:cNvSpPr>
+          <p:nvPr>
+            <p:ph idx="1"/>
+          </p:nvPr>
+        </p:nvSpPr>
+        <p:spPr>
+          <a:xfrm>
+            <a:off x="838200" y="1825625"/>
+            <a:ext cx="4626166" cy="4351338"/>
+          </a:xfrm>
+        </p:spPr>
+        <p:txBody>
+          <a:bodyPr>
+            <a:normAutofit fontScale="92500" lnSpcReduction="10000"/>
+          </a:bodyPr>
+          <a:lstStyle/>
+          <a:p>
+            <a:r>
+              <a:rPr lang="en-US" dirty="0"/>
+              <a:t>Participants will see the consent form as the first page when they log on to the web page.</a:t>
+            </a:r>
+          </a:p>
+          <a:p>
+            <a:r>
+              <a:rPr lang="en-US" dirty="0"/>
+              <a:t>They can scroll down to read the consent form (also included in the IRB application).</a:t>
+            </a:r>
+          </a:p>
+          <a:p>
+            <a:r>
+              <a:rPr lang="en-US" dirty="0"/>
+              <a:t>They will be instructed that, if they agree to continue, they can click on the red ARROW to start the survey.</a:t>
+            </a:r>
+          </a:p>
+        </p:txBody>
+      </p:sp>
+      <p:pic>
+        <p:nvPicPr>
+          <p:cNvPr id="5" name="Picture 4">
+            <a:extLst>
+              <a:ext uri="{FF2B5EF4-FFF2-40B4-BE49-F238E27FC236}">
+                <a16:creationId xmlns:a16="http://schemas.microsoft.com/office/drawing/2014/main" id="{6809FDCB-FBDD-4CFF-960D-4180949E4A78}"/>
+              </a:ext>
+            </a:extLst>
+          </p:cNvPr>
+          <p:cNvPicPr>
+            <a:picLocks noChangeAspect="1"/>
+          </p:cNvPicPr>
+          <p:nvPr/>
+        </p:nvPicPr>
+        <p:blipFill>
+          <a:blip r:embed="rId2"/>
+          <a:stretch>
+            <a:fillRect/>
+          </a:stretch>
+        </p:blipFill>
+        <p:spPr>
+          <a:xfrm>
+            <a:off x="5545664" y="1825625"/>
+            <a:ext cx="5808136" cy="4874429"/>
+          </a:xfrm>
+          <a:prstGeom prst="rect">
+            <a:avLst/>
+          </a:prstGeom>
+        </p:spPr>
+      </p:pic>
+    </p:spTree>
+    <p:extLst>
+      <p:ext uri="{BB962C8B-B14F-4D97-AF65-F5344CB8AC3E}">
+        <p14:creationId xmlns:p14="http://schemas.microsoft.com/office/powerpoint/2010/main" val="609223270"/>
+      </p:ext>
+    </p:extLst>
+  </p:cSld>
+  <p:clrMapOvr>
+    <a:masterClrMapping/>
+  </p:clrMapOvr>
+</p:sld>
+</file>
+
+<file path=ppt/slides/slide4.xml><?xml version="1.0" encoding="utf-8"?>
 <p:sld xmlns:a="http://schemas.openxmlformats.org/drawingml/2006/main" xmlns:r="http://schemas.openxmlformats.org/officeDocument/2006/relationships" xmlns:p="http://schemas.openxmlformats.org/presentationml/2006/main">
   <p:cSld>
     <p:bg>
@@ -6268,13 +6494,13 @@
         </p:nvSpPr>
         <p:spPr>
           <a:xfrm>
-            <a:off x="838199" y="1335724"/>
-            <a:ext cx="10515599" cy="5143733"/>
+            <a:off x="838200" y="1335724"/>
+            <a:ext cx="4868538" cy="5143733"/>
           </a:xfrm>
         </p:spPr>
         <p:txBody>
           <a:bodyPr vert="horz" lIns="91440" tIns="45720" rIns="91440" bIns="45720" rtlCol="0" anchor="t">
-            <a:normAutofit/>
+            <a:normAutofit fontScale="92500" lnSpcReduction="20000"/>
           </a:bodyPr>
           <a:lstStyle/>
           <a:p>
@@ -6351,154 +6577,12 @@
           </a:p>
         </p:txBody>
       </p:sp>
-    </p:spTree>
-    <p:extLst>
-      <p:ext uri="{BB962C8B-B14F-4D97-AF65-F5344CB8AC3E}">
-        <p14:creationId xmlns:p14="http://schemas.microsoft.com/office/powerpoint/2010/main" val="2470541233"/>
-      </p:ext>
-    </p:extLst>
-  </p:cSld>
-  <p:clrMapOvr>
-    <a:masterClrMapping/>
-  </p:clrMapOvr>
-</p:sld>
-</file>
-
-<file path=ppt/slides/slide4.xml><?xml version="1.0" encoding="utf-8"?>
-<p:sld xmlns:a="http://schemas.openxmlformats.org/drawingml/2006/main" xmlns:r="http://schemas.openxmlformats.org/officeDocument/2006/relationships" xmlns:p="http://schemas.openxmlformats.org/presentationml/2006/main">
-  <p:cSld>
-    <p:spTree>
-      <p:nvGrpSpPr>
-        <p:cNvPr id="1" name=""/>
-        <p:cNvGrpSpPr/>
-        <p:nvPr/>
-      </p:nvGrpSpPr>
-      <p:grpSpPr>
-        <a:xfrm>
-          <a:off x="0" y="0"/>
-          <a:ext cx="0" cy="0"/>
-          <a:chOff x="0" y="0"/>
-          <a:chExt cx="0" cy="0"/>
-        </a:xfrm>
-      </p:grpSpPr>
-      <p:sp>
-        <p:nvSpPr>
-          <p:cNvPr id="6" name="Title 5">
-            <a:extLst>
-              <a:ext uri="{FF2B5EF4-FFF2-40B4-BE49-F238E27FC236}">
-                <a16:creationId xmlns:a16="http://schemas.microsoft.com/office/drawing/2014/main" id="{65C93153-C231-4F63-9041-B7390A7D096F}"/>
-              </a:ext>
-            </a:extLst>
-          </p:cNvPr>
-          <p:cNvSpPr>
-            <a:spLocks noGrp="1"/>
-          </p:cNvSpPr>
-          <p:nvPr>
-            <p:ph type="title"/>
-          </p:nvPr>
-        </p:nvSpPr>
-        <p:spPr>
-          <a:xfrm>
-            <a:off x="838200" y="245370"/>
-            <a:ext cx="10515599" cy="932688"/>
-          </a:xfrm>
-        </p:spPr>
-        <p:txBody>
-          <a:bodyPr vert="horz" lIns="91440" tIns="45720" rIns="91440" bIns="45720" rtlCol="0" anchor="b">
-            <a:normAutofit/>
-          </a:bodyPr>
-          <a:lstStyle/>
-          <a:p>
-            <a:r>
-              <a:rPr lang="en-US" sz="4400" dirty="0">
-                <a:latin typeface="+mn-lt"/>
-              </a:rPr>
-              <a:t>Questions for maps</a:t>
-            </a:r>
-            <a:endParaRPr lang="en-US" sz="4400" kern="1200" dirty="0">
-              <a:latin typeface="+mn-lt"/>
-              <a:ea typeface="+mj-ea"/>
-              <a:cs typeface="+mj-cs"/>
-            </a:endParaRPr>
-          </a:p>
-        </p:txBody>
-      </p:sp>
-      <p:sp>
-        <p:nvSpPr>
-          <p:cNvPr id="10" name="Text Placeholder 9">
-            <a:extLst>
-              <a:ext uri="{FF2B5EF4-FFF2-40B4-BE49-F238E27FC236}">
-                <a16:creationId xmlns:a16="http://schemas.microsoft.com/office/drawing/2014/main" id="{4EE11F94-D59B-48BA-82A9-0A1B0AE9F112}"/>
-              </a:ext>
-            </a:extLst>
-          </p:cNvPr>
-          <p:cNvSpPr>
-            <a:spLocks noGrp="1"/>
-          </p:cNvSpPr>
-          <p:nvPr>
-            <p:ph type="body" sz="half" idx="2"/>
-          </p:nvPr>
-        </p:nvSpPr>
-        <p:spPr>
-          <a:xfrm>
-            <a:off x="838199" y="1335724"/>
-            <a:ext cx="10515599" cy="5143733"/>
-          </a:xfrm>
-        </p:spPr>
-        <p:txBody>
-          <a:bodyPr vert="horz" lIns="91440" tIns="45720" rIns="91440" bIns="45720" rtlCol="0" anchor="t">
-            <a:normAutofit/>
-          </a:bodyPr>
-          <a:lstStyle/>
-          <a:p>
-            <a:pPr marL="228600" indent="-228600">
-              <a:buFont typeface="Arial" panose="020B0604020202020204" pitchFamily="34" charset="0"/>
-              <a:buChar char="•"/>
-            </a:pPr>
-            <a:r>
-              <a:rPr lang="en-US" sz="2800" dirty="0">
-                <a:cs typeface="Calibri"/>
-              </a:rPr>
-              <a:t>Participants will be presented two questions for one map in one page. </a:t>
-            </a:r>
-          </a:p>
-          <a:p>
-            <a:pPr marL="228600" indent="-228600">
-              <a:buFont typeface="Arial" panose="020B0604020202020204" pitchFamily="34" charset="0"/>
-              <a:buChar char="•"/>
-            </a:pPr>
-            <a:r>
-              <a:rPr lang="en-US" sz="2800" dirty="0">
-                <a:cs typeface="Calibri"/>
-              </a:rPr>
-              <a:t>There are totally 16 maps and 32 questions in 16 pages.</a:t>
-            </a:r>
-          </a:p>
-          <a:p>
-            <a:pPr marL="228600" indent="-228600">
-              <a:buFont typeface="Arial" panose="020B0604020202020204" pitchFamily="34" charset="0"/>
-              <a:buChar char="•"/>
-            </a:pPr>
-            <a:r>
-              <a:rPr lang="en-US" sz="2800" dirty="0">
-                <a:cs typeface="Calibri"/>
-              </a:rPr>
-              <a:t>Participants must answer the two questions for one map before continuing to the next page with the next map and questions.</a:t>
-            </a:r>
-          </a:p>
-          <a:p>
-            <a:endParaRPr lang="en-US" sz="2800" dirty="0">
-              <a:cs typeface="Calibri"/>
-            </a:endParaRPr>
-          </a:p>
-        </p:txBody>
-      </p:sp>
       <p:pic>
         <p:nvPicPr>
           <p:cNvPr id="3" name="Picture 2">
             <a:extLst>
               <a:ext uri="{FF2B5EF4-FFF2-40B4-BE49-F238E27FC236}">
-                <a16:creationId xmlns:a16="http://schemas.microsoft.com/office/drawing/2014/main" id="{8DD97082-7636-4207-9614-26F12E588C2F}"/>
+                <a16:creationId xmlns:a16="http://schemas.microsoft.com/office/drawing/2014/main" id="{EB32BD8A-8D20-440E-B1CA-242E5EBA751C}"/>
               </a:ext>
             </a:extLst>
           </p:cNvPr>
@@ -6508,75 +6592,15 @@
           <p:nvPr/>
         </p:nvPicPr>
         <p:blipFill>
-          <a:blip r:embed="rId3"/>
+          <a:blip r:embed="rId2"/>
           <a:stretch>
             <a:fillRect/>
           </a:stretch>
         </p:blipFill>
         <p:spPr>
           <a:xfrm>
-            <a:off x="818535" y="3367486"/>
-            <a:ext cx="4601500" cy="2935052"/>
-          </a:xfrm>
-          <a:prstGeom prst="rect">
-            <a:avLst/>
-          </a:prstGeom>
-        </p:spPr>
-      </p:pic>
-      <p:pic>
-        <p:nvPicPr>
-          <p:cNvPr id="11" name="Picture 10">
-            <a:extLst>
-              <a:ext uri="{FF2B5EF4-FFF2-40B4-BE49-F238E27FC236}">
-                <a16:creationId xmlns:a16="http://schemas.microsoft.com/office/drawing/2014/main" id="{A1E655DA-465B-4B78-BC2B-D9FEF043904C}"/>
-              </a:ext>
-            </a:extLst>
-          </p:cNvPr>
-          <p:cNvPicPr>
-            <a:picLocks noChangeAspect="1"/>
-          </p:cNvPicPr>
-          <p:nvPr/>
-        </p:nvPicPr>
-        <p:blipFill>
-          <a:blip r:embed="rId4"/>
-          <a:stretch>
-            <a:fillRect/>
-          </a:stretch>
-        </p:blipFill>
-        <p:spPr>
-          <a:xfrm>
-            <a:off x="5758619" y="4807851"/>
-            <a:ext cx="4978206" cy="1691624"/>
-          </a:xfrm>
-          <a:prstGeom prst="rect">
-            <a:avLst/>
-          </a:prstGeom>
-        </p:spPr>
-      </p:pic>
-      <p:pic>
-        <p:nvPicPr>
-          <p:cNvPr id="4" name="Picture 3">
-            <a:extLst>
-              <a:ext uri="{FF2B5EF4-FFF2-40B4-BE49-F238E27FC236}">
-                <a16:creationId xmlns:a16="http://schemas.microsoft.com/office/drawing/2014/main" id="{8E496A66-B7C1-446B-A661-9E8B0D00B48D}"/>
-              </a:ext>
-            </a:extLst>
-          </p:cNvPr>
-          <p:cNvPicPr>
-            <a:picLocks noChangeAspect="1"/>
-          </p:cNvPicPr>
-          <p:nvPr/>
-        </p:nvPicPr>
-        <p:blipFill>
-          <a:blip r:embed="rId5"/>
-          <a:stretch>
-            <a:fillRect/>
-          </a:stretch>
-        </p:blipFill>
-        <p:spPr>
-          <a:xfrm>
-            <a:off x="5713295" y="3241795"/>
-            <a:ext cx="5023529" cy="1485494"/>
+            <a:off x="5706738" y="1335724"/>
+            <a:ext cx="6469148" cy="5429178"/>
           </a:xfrm>
           <a:prstGeom prst="rect">
             <a:avLst/>
@@ -6586,7 +6610,7 @@
     </p:spTree>
     <p:extLst>
       <p:ext uri="{BB962C8B-B14F-4D97-AF65-F5344CB8AC3E}">
-        <p14:creationId xmlns:p14="http://schemas.microsoft.com/office/powerpoint/2010/main" val="4163127039"/>
+        <p14:creationId xmlns:p14="http://schemas.microsoft.com/office/powerpoint/2010/main" val="2470541233"/>
       </p:ext>
     </p:extLst>
   </p:cSld>
@@ -6615,6 +6639,167 @@
       </p:grpSpPr>
       <p:sp>
         <p:nvSpPr>
+          <p:cNvPr id="2" name="Title 1">
+            <a:extLst>
+              <a:ext uri="{FF2B5EF4-FFF2-40B4-BE49-F238E27FC236}">
+                <a16:creationId xmlns:a16="http://schemas.microsoft.com/office/drawing/2014/main" id="{CAFAF4DB-1786-4B31-A9AE-B8FAE63B0A7E}"/>
+              </a:ext>
+            </a:extLst>
+          </p:cNvPr>
+          <p:cNvSpPr>
+            <a:spLocks noGrp="1"/>
+          </p:cNvSpPr>
+          <p:nvPr>
+            <p:ph type="title"/>
+          </p:nvPr>
+        </p:nvSpPr>
+        <p:spPr/>
+        <p:txBody>
+          <a:bodyPr/>
+          <a:lstStyle/>
+          <a:p>
+            <a:r>
+              <a:rPr lang="en-US" dirty="0"/>
+              <a:t>Main questions</a:t>
+            </a:r>
+          </a:p>
+        </p:txBody>
+      </p:sp>
+      <p:sp>
+        <p:nvSpPr>
+          <p:cNvPr id="3" name="Content Placeholder 2">
+            <a:extLst>
+              <a:ext uri="{FF2B5EF4-FFF2-40B4-BE49-F238E27FC236}">
+                <a16:creationId xmlns:a16="http://schemas.microsoft.com/office/drawing/2014/main" id="{BD12AE3E-9342-4EDF-BF5D-C2ED658E82A7}"/>
+              </a:ext>
+            </a:extLst>
+          </p:cNvPr>
+          <p:cNvSpPr>
+            <a:spLocks noGrp="1"/>
+          </p:cNvSpPr>
+          <p:nvPr>
+            <p:ph idx="1"/>
+          </p:nvPr>
+        </p:nvSpPr>
+        <p:spPr>
+          <a:xfrm>
+            <a:off x="838200" y="1825625"/>
+            <a:ext cx="5467746" cy="4351338"/>
+          </a:xfrm>
+        </p:spPr>
+        <p:txBody>
+          <a:bodyPr>
+            <a:normAutofit fontScale="92500" lnSpcReduction="20000"/>
+          </a:bodyPr>
+          <a:lstStyle/>
+          <a:p>
+            <a:r>
+              <a:rPr lang="en-US" dirty="0"/>
+              <a:t>This is how the questions for map will look like.</a:t>
+            </a:r>
+          </a:p>
+          <a:p>
+            <a:r>
+              <a:rPr lang="en-US" sz="2800" dirty="0">
+                <a:cs typeface="Calibri"/>
+              </a:rPr>
+              <a:t>There are totally 16 maps and 32 questions in 16 pages.</a:t>
+            </a:r>
+          </a:p>
+          <a:p>
+            <a:pPr marL="228600" indent="-228600">
+              <a:buFont typeface="Arial" panose="020B0604020202020204" pitchFamily="34" charset="0"/>
+              <a:buChar char="•"/>
+            </a:pPr>
+            <a:r>
+              <a:rPr lang="en-US" sz="2800" dirty="0">
+                <a:cs typeface="Calibri"/>
+              </a:rPr>
+              <a:t>Participants will be presented two questions for one map in one page. </a:t>
+            </a:r>
+          </a:p>
+          <a:p>
+            <a:pPr marL="228600" indent="-228600">
+              <a:buFont typeface="Arial" panose="020B0604020202020204" pitchFamily="34" charset="0"/>
+              <a:buChar char="•"/>
+            </a:pPr>
+            <a:r>
+              <a:rPr lang="en-US" sz="2800" dirty="0">
+                <a:cs typeface="Calibri"/>
+              </a:rPr>
+              <a:t>Participants must answer the two questions for one map before continuing to the next page with the next map and questions.</a:t>
+            </a:r>
+          </a:p>
+          <a:p>
+            <a:r>
+              <a:rPr lang="en-US" dirty="0"/>
+              <a:t>In the next few slides we will explain the different kinds of maps that participants will see in this survey.</a:t>
+            </a:r>
+          </a:p>
+        </p:txBody>
+      </p:sp>
+      <p:pic>
+        <p:nvPicPr>
+          <p:cNvPr id="5" name="Picture 4">
+            <a:extLst>
+              <a:ext uri="{FF2B5EF4-FFF2-40B4-BE49-F238E27FC236}">
+                <a16:creationId xmlns:a16="http://schemas.microsoft.com/office/drawing/2014/main" id="{D46100E1-31A7-40FB-9318-5BD9560C80F6}"/>
+              </a:ext>
+            </a:extLst>
+          </p:cNvPr>
+          <p:cNvPicPr>
+            <a:picLocks noChangeAspect="1"/>
+          </p:cNvPicPr>
+          <p:nvPr/>
+        </p:nvPicPr>
+        <p:blipFill>
+          <a:blip r:embed="rId2"/>
+          <a:stretch>
+            <a:fillRect/>
+          </a:stretch>
+        </p:blipFill>
+        <p:spPr>
+          <a:xfrm>
+            <a:off x="6305946" y="1662964"/>
+            <a:ext cx="5572484" cy="4676660"/>
+          </a:xfrm>
+          <a:prstGeom prst="rect">
+            <a:avLst/>
+          </a:prstGeom>
+        </p:spPr>
+      </p:pic>
+    </p:spTree>
+    <p:extLst>
+      <p:ext uri="{BB962C8B-B14F-4D97-AF65-F5344CB8AC3E}">
+        <p14:creationId xmlns:p14="http://schemas.microsoft.com/office/powerpoint/2010/main" val="3810063747"/>
+      </p:ext>
+    </p:extLst>
+  </p:cSld>
+  <p:clrMapOvr>
+    <a:masterClrMapping/>
+  </p:clrMapOvr>
+</p:sld>
+</file>
+
+<file path=ppt/slides/slide6.xml><?xml version="1.0" encoding="utf-8"?>
+<p:sld xmlns:a="http://schemas.openxmlformats.org/drawingml/2006/main" xmlns:r="http://schemas.openxmlformats.org/officeDocument/2006/relationships" xmlns:p="http://schemas.openxmlformats.org/presentationml/2006/main">
+  <p:cSld>
+    <p:spTree>
+      <p:nvGrpSpPr>
+        <p:cNvPr id="1" name=""/>
+        <p:cNvGrpSpPr/>
+        <p:nvPr/>
+      </p:nvGrpSpPr>
+      <p:grpSpPr>
+        <a:xfrm>
+          <a:off x="0" y="0"/>
+          <a:ext cx="0" cy="0"/>
+          <a:chOff x="0" y="0"/>
+          <a:chExt cx="0" cy="0"/>
+        </a:xfrm>
+      </p:grpSpPr>
+      <p:sp>
+        <p:nvSpPr>
           <p:cNvPr id="6" name="Title 5">
             <a:extLst>
               <a:ext uri="{FF2B5EF4-FFF2-40B4-BE49-F238E27FC236}">
@@ -6645,7 +6830,7 @@
               <a:rPr lang="en-US" altLang="zh-CN" sz="4400" dirty="0">
                 <a:latin typeface="+mn-lt"/>
               </a:rPr>
-              <a:t>Example answers</a:t>
+              <a:t>Example 1</a:t>
             </a:r>
             <a:endParaRPr lang="en-US" sz="4400" kern="1200" dirty="0">
               <a:latin typeface="+mn-lt"/>
@@ -6779,7 +6964,7 @@
 </p:sld>
 </file>
 
-<file path=ppt/slides/slide6.xml><?xml version="1.0" encoding="utf-8"?>
+<file path=ppt/slides/slide7.xml><?xml version="1.0" encoding="utf-8"?>
 <p:sld xmlns:a="http://schemas.openxmlformats.org/drawingml/2006/main" xmlns:r="http://schemas.openxmlformats.org/officeDocument/2006/relationships" xmlns:p="http://schemas.openxmlformats.org/presentationml/2006/main">
   <p:cSld>
     <p:spTree>
@@ -6828,7 +7013,7 @@
               <a:rPr lang="en-US" altLang="zh-CN" sz="4400" dirty="0">
                 <a:latin typeface="+mn-lt"/>
               </a:rPr>
-              <a:t>Example answers</a:t>
+              <a:t>Example 2</a:t>
             </a:r>
             <a:endParaRPr lang="en-US" sz="4400" kern="1200" dirty="0">
               <a:latin typeface="+mn-lt"/>
@@ -6965,7 +7150,7 @@
 </p:sld>
 </file>
 
-<file path=ppt/slides/slide7.xml><?xml version="1.0" encoding="utf-8"?>
+<file path=ppt/slides/slide8.xml><?xml version="1.0" encoding="utf-8"?>
 <p:sld xmlns:a="http://schemas.openxmlformats.org/drawingml/2006/main" xmlns:r="http://schemas.openxmlformats.org/officeDocument/2006/relationships" xmlns:p="http://schemas.openxmlformats.org/presentationml/2006/main">
   <p:cSld>
     <p:spTree>
@@ -7014,7 +7199,7 @@
               <a:rPr lang="en-US" altLang="zh-CN" sz="4400" dirty="0">
                 <a:latin typeface="+mn-lt"/>
               </a:rPr>
-              <a:t>Example answers</a:t>
+              <a:t>Example 3</a:t>
             </a:r>
             <a:endParaRPr lang="en-US" sz="4400" kern="1200" dirty="0">
               <a:latin typeface="+mn-lt"/>
@@ -7152,7 +7337,7 @@
 </p:sld>
 </file>
 
-<file path=ppt/slides/slide8.xml><?xml version="1.0" encoding="utf-8"?>
+<file path=ppt/slides/slide9.xml><?xml version="1.0" encoding="utf-8"?>
 <p:sld xmlns:a="http://schemas.openxmlformats.org/drawingml/2006/main" xmlns:r="http://schemas.openxmlformats.org/officeDocument/2006/relationships" xmlns:p="http://schemas.openxmlformats.org/presentationml/2006/main">
   <p:cSld>
     <p:spTree>
@@ -7201,7 +7386,7 @@
               <a:rPr lang="en-US" altLang="zh-CN" sz="4400" dirty="0">
                 <a:latin typeface="+mn-lt"/>
               </a:rPr>
-              <a:t>Example answers</a:t>
+              <a:t>Example 4</a:t>
             </a:r>
             <a:endParaRPr lang="en-US" sz="4400" kern="1200" dirty="0">
               <a:latin typeface="+mn-lt"/>
@@ -7381,189 +7566,6 @@
     <p:extLst>
       <p:ext uri="{BB962C8B-B14F-4D97-AF65-F5344CB8AC3E}">
         <p14:creationId xmlns:p14="http://schemas.microsoft.com/office/powerpoint/2010/main" val="4221690967"/>
-      </p:ext>
-    </p:extLst>
-  </p:cSld>
-  <p:clrMapOvr>
-    <a:masterClrMapping/>
-  </p:clrMapOvr>
-</p:sld>
-</file>
-
-<file path=ppt/slides/slide9.xml><?xml version="1.0" encoding="utf-8"?>
-<p:sld xmlns:a="http://schemas.openxmlformats.org/drawingml/2006/main" xmlns:r="http://schemas.openxmlformats.org/officeDocument/2006/relationships" xmlns:p="http://schemas.openxmlformats.org/presentationml/2006/main">
-  <p:cSld>
-    <p:spTree>
-      <p:nvGrpSpPr>
-        <p:cNvPr id="1" name=""/>
-        <p:cNvGrpSpPr/>
-        <p:nvPr/>
-      </p:nvGrpSpPr>
-      <p:grpSpPr>
-        <a:xfrm>
-          <a:off x="0" y="0"/>
-          <a:ext cx="0" cy="0"/>
-          <a:chOff x="0" y="0"/>
-          <a:chExt cx="0" cy="0"/>
-        </a:xfrm>
-      </p:grpSpPr>
-      <p:sp>
-        <p:nvSpPr>
-          <p:cNvPr id="6" name="Title 5">
-            <a:extLst>
-              <a:ext uri="{FF2B5EF4-FFF2-40B4-BE49-F238E27FC236}">
-                <a16:creationId xmlns:a16="http://schemas.microsoft.com/office/drawing/2014/main" id="{65C93153-C231-4F63-9041-B7390A7D096F}"/>
-              </a:ext>
-            </a:extLst>
-          </p:cNvPr>
-          <p:cNvSpPr>
-            <a:spLocks noGrp="1"/>
-          </p:cNvSpPr>
-          <p:nvPr>
-            <p:ph type="title"/>
-          </p:nvPr>
-        </p:nvSpPr>
-        <p:spPr>
-          <a:xfrm>
-            <a:off x="838200" y="245370"/>
-            <a:ext cx="10515599" cy="932688"/>
-          </a:xfrm>
-        </p:spPr>
-        <p:txBody>
-          <a:bodyPr vert="horz" lIns="91440" tIns="45720" rIns="91440" bIns="45720" rtlCol="0" anchor="b">
-            <a:normAutofit/>
-          </a:bodyPr>
-          <a:lstStyle/>
-          <a:p>
-            <a:r>
-              <a:rPr lang="en-US" altLang="zh-CN" sz="4400" dirty="0">
-                <a:latin typeface="+mn-lt"/>
-              </a:rPr>
-              <a:t>Example answers</a:t>
-            </a:r>
-            <a:endParaRPr lang="en-US" sz="4400" kern="1200" dirty="0">
-              <a:latin typeface="+mn-lt"/>
-              <a:ea typeface="+mj-ea"/>
-              <a:cs typeface="+mj-cs"/>
-            </a:endParaRPr>
-          </a:p>
-        </p:txBody>
-      </p:sp>
-      <p:sp>
-        <p:nvSpPr>
-          <p:cNvPr id="10" name="Text Placeholder 9">
-            <a:extLst>
-              <a:ext uri="{FF2B5EF4-FFF2-40B4-BE49-F238E27FC236}">
-                <a16:creationId xmlns:a16="http://schemas.microsoft.com/office/drawing/2014/main" id="{4EE11F94-D59B-48BA-82A9-0A1B0AE9F112}"/>
-              </a:ext>
-            </a:extLst>
-          </p:cNvPr>
-          <p:cNvSpPr>
-            <a:spLocks noGrp="1"/>
-          </p:cNvSpPr>
-          <p:nvPr>
-            <p:ph type="body" sz="half" idx="2"/>
-          </p:nvPr>
-        </p:nvSpPr>
-        <p:spPr>
-          <a:xfrm>
-            <a:off x="838199" y="4888089"/>
-            <a:ext cx="10721623" cy="1591368"/>
-          </a:xfrm>
-        </p:spPr>
-        <p:txBody>
-          <a:bodyPr vert="horz" lIns="91440" tIns="45720" rIns="91440" bIns="45720" rtlCol="0" anchor="t">
-            <a:normAutofit/>
-          </a:bodyPr>
-          <a:lstStyle/>
-          <a:p>
-            <a:r>
-              <a:rPr lang="en-US" altLang="zh-CN" sz="2800" dirty="0">
-                <a:cs typeface="Calibri"/>
-              </a:rPr>
-              <a:t>There is no obvious association shown in the map. </a:t>
-            </a:r>
-          </a:p>
-          <a:p>
-            <a:r>
-              <a:rPr lang="en-US" sz="2800" dirty="0">
-                <a:cs typeface="Calibri"/>
-              </a:rPr>
-              <a:t>The surrounding counties of most counties include both high values and low values</a:t>
-            </a:r>
-          </a:p>
-        </p:txBody>
-      </p:sp>
-      <p:pic>
-        <p:nvPicPr>
-          <p:cNvPr id="3" name="Picture 2">
-            <a:extLst>
-              <a:ext uri="{FF2B5EF4-FFF2-40B4-BE49-F238E27FC236}">
-                <a16:creationId xmlns:a16="http://schemas.microsoft.com/office/drawing/2014/main" id="{B97AF89F-A25B-44B6-88C7-C251E87C0C07}"/>
-              </a:ext>
-            </a:extLst>
-          </p:cNvPr>
-          <p:cNvPicPr>
-            <a:picLocks noChangeAspect="1"/>
-          </p:cNvPicPr>
-          <p:nvPr/>
-        </p:nvPicPr>
-        <p:blipFill>
-          <a:blip r:embed="rId3"/>
-          <a:stretch>
-            <a:fillRect/>
-          </a:stretch>
-        </p:blipFill>
-        <p:spPr>
-          <a:xfrm>
-            <a:off x="5246625" y="2146476"/>
-            <a:ext cx="5876925" cy="2028825"/>
-          </a:xfrm>
-          <a:prstGeom prst="rect">
-            <a:avLst/>
-          </a:prstGeom>
-        </p:spPr>
-      </p:pic>
-      <p:pic>
-        <p:nvPicPr>
-          <p:cNvPr id="7" name="Picture 6" descr="A picture containing map&#10;&#10;Description automatically generated">
-            <a:extLst>
-              <a:ext uri="{FF2B5EF4-FFF2-40B4-BE49-F238E27FC236}">
-                <a16:creationId xmlns:a16="http://schemas.microsoft.com/office/drawing/2014/main" id="{D5761454-07BF-4654-BDBE-E3A78DD94431}"/>
-              </a:ext>
-            </a:extLst>
-          </p:cNvPr>
-          <p:cNvPicPr>
-            <a:picLocks noChangeAspect="1"/>
-          </p:cNvPicPr>
-          <p:nvPr/>
-        </p:nvPicPr>
-        <p:blipFill>
-          <a:blip r:embed="rId4">
-            <a:extLst>
-              <a:ext uri="{28A0092B-C50C-407E-A947-70E740481C1C}">
-                <a14:useLocalDpi xmlns:a14="http://schemas.microsoft.com/office/drawing/2010/main" val="0"/>
-              </a:ext>
-            </a:extLst>
-          </a:blip>
-          <a:stretch>
-            <a:fillRect/>
-          </a:stretch>
-        </p:blipFill>
-        <p:spPr>
-          <a:xfrm>
-            <a:off x="363954" y="1560889"/>
-            <a:ext cx="4803648" cy="2944368"/>
-          </a:xfrm>
-          <a:prstGeom prst="rect">
-            <a:avLst/>
-          </a:prstGeom>
-        </p:spPr>
-      </p:pic>
-    </p:spTree>
-    <p:extLst>
-      <p:ext uri="{BB962C8B-B14F-4D97-AF65-F5344CB8AC3E}">
-        <p14:creationId xmlns:p14="http://schemas.microsoft.com/office/powerpoint/2010/main" val="1830599383"/>
       </p:ext>
     </p:extLst>
   </p:cSld>
@@ -8164,21 +8166,6 @@
 </file>
 
 <file path=customXml/item1.xml><?xml version="1.0" encoding="utf-8"?>
-<?mso-contentType ?>
-<FormTemplates xmlns="http://schemas.microsoft.com/sharepoint/v3/contenttype/forms">
-  <Display>DocumentLibraryForm</Display>
-  <Edit>DocumentLibraryForm</Edit>
-  <New>DocumentLibraryForm</New>
-</FormTemplates>
-</file>
-
-<file path=customXml/item2.xml><?xml version="1.0" encoding="utf-8"?>
-<p:properties xmlns:p="http://schemas.microsoft.com/office/2006/metadata/properties" xmlns:xsi="http://www.w3.org/2001/XMLSchema-instance" xmlns:pc="http://schemas.microsoft.com/office/infopath/2007/PartnerControls">
-  <documentManagement/>
-</p:properties>
-</file>
-
-<file path=customXml/item3.xml><?xml version="1.0" encoding="utf-8"?>
 <ct:contentTypeSchema xmlns:ct="http://schemas.microsoft.com/office/2006/metadata/contentType" xmlns:ma="http://schemas.microsoft.com/office/2006/metadata/properties/metaAttributes" ct:_="" ma:_="" ma:contentTypeName="Document" ma:contentTypeID="0x010100DCF79C5796A7E245A78D6D995BC5A3D9" ma:contentTypeVersion="11" ma:contentTypeDescription="Create a new document." ma:contentTypeScope="" ma:versionID="cf631c0af13a8c3e8ade2a08be478efd">
   <xsd:schema xmlns:xsd="http://www.w3.org/2001/XMLSchema" xmlns:xs="http://www.w3.org/2001/XMLSchema" xmlns:p="http://schemas.microsoft.com/office/2006/metadata/properties" xmlns:ns3="02f1c872-1a05-4968-a32e-1afc686dc907" xmlns:ns4="345ab639-1b23-467f-8c10-9ab9f1e3252c" targetNamespace="http://schemas.microsoft.com/office/2006/metadata/properties" ma:root="true" ma:fieldsID="5a9952372fa89d20c9d3322eb84c3639" ns3:_="" ns4:_="">
     <xsd:import namespace="02f1c872-1a05-4968-a32e-1afc686dc907"/>
@@ -8389,10 +8376,36 @@
 </ct:contentTypeSchema>
 </file>
 
+<file path=customXml/item2.xml><?xml version="1.0" encoding="utf-8"?>
+<p:properties xmlns:p="http://schemas.microsoft.com/office/2006/metadata/properties" xmlns:xsi="http://www.w3.org/2001/XMLSchema-instance" xmlns:pc="http://schemas.microsoft.com/office/infopath/2007/PartnerControls">
+  <documentManagement/>
+</p:properties>
+</file>
+
+<file path=customXml/item3.xml><?xml version="1.0" encoding="utf-8"?>
+<?mso-contentType ?>
+<FormTemplates xmlns="http://schemas.microsoft.com/sharepoint/v3/contenttype/forms">
+  <Display>DocumentLibraryForm</Display>
+  <Edit>DocumentLibraryForm</Edit>
+  <New>DocumentLibraryForm</New>
+</FormTemplates>
+</file>
+
 <file path=customXml/itemProps1.xml><?xml version="1.0" encoding="utf-8"?>
-<ds:datastoreItem xmlns:ds="http://schemas.openxmlformats.org/officeDocument/2006/customXml" ds:itemID="{5D3312CF-FCB4-4310-96F4-EA43C6DB194C}">
+<ds:datastoreItem xmlns:ds="http://schemas.openxmlformats.org/officeDocument/2006/customXml" ds:itemID="{B0450293-209D-43D2-A9C4-304D618AD3F6}">
   <ds:schemaRefs>
-    <ds:schemaRef ds:uri="http://schemas.microsoft.com/sharepoint/v3/contenttype/forms"/>
+    <ds:schemaRef ds:uri="02f1c872-1a05-4968-a32e-1afc686dc907"/>
+    <ds:schemaRef ds:uri="345ab639-1b23-467f-8c10-9ab9f1e3252c"/>
+    <ds:schemaRef ds:uri="http://purl.org/dc/elements/1.1/"/>
+    <ds:schemaRef ds:uri="http://purl.org/dc/terms/"/>
+    <ds:schemaRef ds:uri="http://schemas.microsoft.com/internal/obd"/>
+    <ds:schemaRef ds:uri="http://schemas.microsoft.com/office/2006/documentManagement/types"/>
+    <ds:schemaRef ds:uri="http://schemas.microsoft.com/office/2006/metadata/contentType"/>
+    <ds:schemaRef ds:uri="http://schemas.microsoft.com/office/2006/metadata/properties"/>
+    <ds:schemaRef ds:uri="http://schemas.microsoft.com/office/2006/metadata/properties/metaAttributes"/>
+    <ds:schemaRef ds:uri="http://schemas.microsoft.com/office/infopath/2007/PartnerControls"/>
+    <ds:schemaRef ds:uri="http://schemas.openxmlformats.org/package/2006/metadata/core-properties"/>
+    <ds:schemaRef ds:uri="http://www.w3.org/2001/XMLSchema"/>
   </ds:schemaRefs>
 </ds:datastoreItem>
 </file>
@@ -8415,20 +8428,9 @@
 </file>
 
 <file path=customXml/itemProps3.xml><?xml version="1.0" encoding="utf-8"?>
-<ds:datastoreItem xmlns:ds="http://schemas.openxmlformats.org/officeDocument/2006/customXml" ds:itemID="{B0450293-209D-43D2-A9C4-304D618AD3F6}">
+<ds:datastoreItem xmlns:ds="http://schemas.openxmlformats.org/officeDocument/2006/customXml" ds:itemID="{5D3312CF-FCB4-4310-96F4-EA43C6DB194C}">
   <ds:schemaRefs>
-    <ds:schemaRef ds:uri="02f1c872-1a05-4968-a32e-1afc686dc907"/>
-    <ds:schemaRef ds:uri="345ab639-1b23-467f-8c10-9ab9f1e3252c"/>
-    <ds:schemaRef ds:uri="http://purl.org/dc/elements/1.1/"/>
-    <ds:schemaRef ds:uri="http://purl.org/dc/terms/"/>
-    <ds:schemaRef ds:uri="http://schemas.microsoft.com/internal/obd"/>
-    <ds:schemaRef ds:uri="http://schemas.microsoft.com/office/2006/documentManagement/types"/>
-    <ds:schemaRef ds:uri="http://schemas.microsoft.com/office/2006/metadata/contentType"/>
-    <ds:schemaRef ds:uri="http://schemas.microsoft.com/office/2006/metadata/properties"/>
-    <ds:schemaRef ds:uri="http://schemas.microsoft.com/office/2006/metadata/properties/metaAttributes"/>
-    <ds:schemaRef ds:uri="http://schemas.microsoft.com/office/infopath/2007/PartnerControls"/>
-    <ds:schemaRef ds:uri="http://schemas.openxmlformats.org/package/2006/metadata/core-properties"/>
-    <ds:schemaRef ds:uri="http://www.w3.org/2001/XMLSchema"/>
+    <ds:schemaRef ds:uri="http://schemas.microsoft.com/sharepoint/v3/contenttype/forms"/>
   </ds:schemaRefs>
 </ds:datastoreItem>
 </file>